--- a/Offline/BusinessManagement/MarketingArtworks/AI-Junior-Flyer.pptx
+++ b/Offline/BusinessManagement/MarketingArtworks/AI-Junior-Flyer.pptx
@@ -198,7 +198,7 @@
           <a:p>
             <a:fld id="{C7FF48C4-2825-4CCE-B607-2C682FC98F13}" type="datetimeFigureOut">
               <a:rPr lang="en-AU" smtClean="0"/>
-              <a:t>10/07/2023</a:t>
+              <a:t>20/07/2023</a:t>
             </a:fld>
             <a:endParaRPr lang="en-AU"/>
           </a:p>
@@ -262,35 +262,35 @@
           <a:p>
             <a:pPr lvl="0"/>
             <a:r>
-              <a:rPr lang="en-US" smtClean="0"/>
+              <a:rPr lang="en-US"/>
               <a:t>Click to edit Master text styles</a:t>
             </a:r>
           </a:p>
           <a:p>
             <a:pPr lvl="1"/>
             <a:r>
-              <a:rPr lang="en-US" smtClean="0"/>
+              <a:rPr lang="en-US"/>
               <a:t>Second level</a:t>
             </a:r>
           </a:p>
           <a:p>
             <a:pPr lvl="2"/>
             <a:r>
-              <a:rPr lang="en-US" smtClean="0"/>
+              <a:rPr lang="en-US"/>
               <a:t>Third level</a:t>
             </a:r>
           </a:p>
           <a:p>
             <a:pPr lvl="3"/>
             <a:r>
-              <a:rPr lang="en-US" smtClean="0"/>
+              <a:rPr lang="en-US"/>
               <a:t>Fourth level</a:t>
             </a:r>
           </a:p>
           <a:p>
             <a:pPr lvl="4"/>
             <a:r>
-              <a:rPr lang="en-US" smtClean="0"/>
+              <a:rPr lang="en-US"/>
               <a:t>Fifth level</a:t>
             </a:r>
             <a:endParaRPr lang="en-AU"/>
@@ -676,7 +676,7 @@
           </a:lstStyle>
           <a:p>
             <a:r>
-              <a:rPr lang="en-US" smtClean="0"/>
+              <a:rPr lang="en-US"/>
               <a:t>Click to edit Master title style</a:t>
             </a:r>
             <a:endParaRPr lang="en-US" dirty="0"/>
@@ -741,7 +741,7 @@
           </a:lstStyle>
           <a:p>
             <a:r>
-              <a:rPr lang="en-US" smtClean="0"/>
+              <a:rPr lang="en-US"/>
               <a:t>Click to edit Master subtitle style</a:t>
             </a:r>
             <a:endParaRPr lang="en-US" dirty="0"/>
@@ -765,7 +765,7 @@
           <a:p>
             <a:fld id="{DF85CC7C-82E5-4B84-9C6A-800DA7308ED4}" type="datetimeFigureOut">
               <a:rPr lang="en-AU" smtClean="0"/>
-              <a:t>10/07/2023</a:t>
+              <a:t>20/07/2023</a:t>
             </a:fld>
             <a:endParaRPr lang="en-AU"/>
           </a:p>
@@ -859,7 +859,7 @@
           <a:lstStyle/>
           <a:p>
             <a:r>
-              <a:rPr lang="en-US" smtClean="0"/>
+              <a:rPr lang="en-US"/>
               <a:t>Click to edit Master title style</a:t>
             </a:r>
             <a:endParaRPr lang="en-US" dirty="0"/>
@@ -883,35 +883,35 @@
           <a:p>
             <a:pPr lvl="0"/>
             <a:r>
-              <a:rPr lang="en-US" smtClean="0"/>
+              <a:rPr lang="en-US"/>
               <a:t>Click to edit Master text styles</a:t>
             </a:r>
           </a:p>
           <a:p>
             <a:pPr lvl="1"/>
             <a:r>
-              <a:rPr lang="en-US" smtClean="0"/>
+              <a:rPr lang="en-US"/>
               <a:t>Second level</a:t>
             </a:r>
           </a:p>
           <a:p>
             <a:pPr lvl="2"/>
             <a:r>
-              <a:rPr lang="en-US" smtClean="0"/>
+              <a:rPr lang="en-US"/>
               <a:t>Third level</a:t>
             </a:r>
           </a:p>
           <a:p>
             <a:pPr lvl="3"/>
             <a:r>
-              <a:rPr lang="en-US" smtClean="0"/>
+              <a:rPr lang="en-US"/>
               <a:t>Fourth level</a:t>
             </a:r>
           </a:p>
           <a:p>
             <a:pPr lvl="4"/>
             <a:r>
-              <a:rPr lang="en-US" smtClean="0"/>
+              <a:rPr lang="en-US"/>
               <a:t>Fifth level</a:t>
             </a:r>
             <a:endParaRPr lang="en-US" dirty="0"/>
@@ -935,7 +935,7 @@
           <a:p>
             <a:fld id="{DF85CC7C-82E5-4B84-9C6A-800DA7308ED4}" type="datetimeFigureOut">
               <a:rPr lang="en-AU" smtClean="0"/>
-              <a:t>10/07/2023</a:t>
+              <a:t>20/07/2023</a:t>
             </a:fld>
             <a:endParaRPr lang="en-AU"/>
           </a:p>
@@ -1034,7 +1034,7 @@
           <a:lstStyle/>
           <a:p>
             <a:r>
-              <a:rPr lang="en-US" smtClean="0"/>
+              <a:rPr lang="en-US"/>
               <a:t>Click to edit Master title style</a:t>
             </a:r>
             <a:endParaRPr lang="en-US" dirty="0"/>
@@ -1063,35 +1063,35 @@
           <a:p>
             <a:pPr lvl="0"/>
             <a:r>
-              <a:rPr lang="en-US" smtClean="0"/>
+              <a:rPr lang="en-US"/>
               <a:t>Click to edit Master text styles</a:t>
             </a:r>
           </a:p>
           <a:p>
             <a:pPr lvl="1"/>
             <a:r>
-              <a:rPr lang="en-US" smtClean="0"/>
+              <a:rPr lang="en-US"/>
               <a:t>Second level</a:t>
             </a:r>
           </a:p>
           <a:p>
             <a:pPr lvl="2"/>
             <a:r>
-              <a:rPr lang="en-US" smtClean="0"/>
+              <a:rPr lang="en-US"/>
               <a:t>Third level</a:t>
             </a:r>
           </a:p>
           <a:p>
             <a:pPr lvl="3"/>
             <a:r>
-              <a:rPr lang="en-US" smtClean="0"/>
+              <a:rPr lang="en-US"/>
               <a:t>Fourth level</a:t>
             </a:r>
           </a:p>
           <a:p>
             <a:pPr lvl="4"/>
             <a:r>
-              <a:rPr lang="en-US" smtClean="0"/>
+              <a:rPr lang="en-US"/>
               <a:t>Fifth level</a:t>
             </a:r>
             <a:endParaRPr lang="en-US" dirty="0"/>
@@ -1115,7 +1115,7 @@
           <a:p>
             <a:fld id="{DF85CC7C-82E5-4B84-9C6A-800DA7308ED4}" type="datetimeFigureOut">
               <a:rPr lang="en-AU" smtClean="0"/>
-              <a:t>10/07/2023</a:t>
+              <a:t>20/07/2023</a:t>
             </a:fld>
             <a:endParaRPr lang="en-AU"/>
           </a:p>
@@ -1209,7 +1209,7 @@
           <a:lstStyle/>
           <a:p>
             <a:r>
-              <a:rPr lang="en-US" smtClean="0"/>
+              <a:rPr lang="en-US"/>
               <a:t>Click to edit Master title style</a:t>
             </a:r>
             <a:endParaRPr lang="en-US" dirty="0"/>
@@ -1233,35 +1233,35 @@
           <a:p>
             <a:pPr lvl="0"/>
             <a:r>
-              <a:rPr lang="en-US" smtClean="0"/>
+              <a:rPr lang="en-US"/>
               <a:t>Click to edit Master text styles</a:t>
             </a:r>
           </a:p>
           <a:p>
             <a:pPr lvl="1"/>
             <a:r>
-              <a:rPr lang="en-US" smtClean="0"/>
+              <a:rPr lang="en-US"/>
               <a:t>Second level</a:t>
             </a:r>
           </a:p>
           <a:p>
             <a:pPr lvl="2"/>
             <a:r>
-              <a:rPr lang="en-US" smtClean="0"/>
+              <a:rPr lang="en-US"/>
               <a:t>Third level</a:t>
             </a:r>
           </a:p>
           <a:p>
             <a:pPr lvl="3"/>
             <a:r>
-              <a:rPr lang="en-US" smtClean="0"/>
+              <a:rPr lang="en-US"/>
               <a:t>Fourth level</a:t>
             </a:r>
           </a:p>
           <a:p>
             <a:pPr lvl="4"/>
             <a:r>
-              <a:rPr lang="en-US" smtClean="0"/>
+              <a:rPr lang="en-US"/>
               <a:t>Fifth level</a:t>
             </a:r>
             <a:endParaRPr lang="en-US" dirty="0"/>
@@ -1285,7 +1285,7 @@
           <a:p>
             <a:fld id="{DF85CC7C-82E5-4B84-9C6A-800DA7308ED4}" type="datetimeFigureOut">
               <a:rPr lang="en-AU" smtClean="0"/>
-              <a:t>10/07/2023</a:t>
+              <a:t>20/07/2023</a:t>
             </a:fld>
             <a:endParaRPr lang="en-AU"/>
           </a:p>
@@ -1388,7 +1388,7 @@
           </a:lstStyle>
           <a:p>
             <a:r>
-              <a:rPr lang="en-US" smtClean="0"/>
+              <a:rPr lang="en-US"/>
               <a:t>Click to edit Master title style</a:t>
             </a:r>
             <a:endParaRPr lang="en-US" dirty="0"/>
@@ -1506,7 +1506,7 @@
           <a:p>
             <a:pPr lvl="0"/>
             <a:r>
-              <a:rPr lang="en-US" smtClean="0"/>
+              <a:rPr lang="en-US"/>
               <a:t>Click to edit Master text styles</a:t>
             </a:r>
           </a:p>
@@ -1529,7 +1529,7 @@
           <a:p>
             <a:fld id="{DF85CC7C-82E5-4B84-9C6A-800DA7308ED4}" type="datetimeFigureOut">
               <a:rPr lang="en-AU" smtClean="0"/>
-              <a:t>10/07/2023</a:t>
+              <a:t>20/07/2023</a:t>
             </a:fld>
             <a:endParaRPr lang="en-AU"/>
           </a:p>
@@ -1623,7 +1623,7 @@
           <a:lstStyle/>
           <a:p>
             <a:r>
-              <a:rPr lang="en-US" smtClean="0"/>
+              <a:rPr lang="en-US"/>
               <a:t>Click to edit Master title style</a:t>
             </a:r>
             <a:endParaRPr lang="en-US" dirty="0"/>
@@ -1652,35 +1652,35 @@
           <a:p>
             <a:pPr lvl="0"/>
             <a:r>
-              <a:rPr lang="en-US" smtClean="0"/>
+              <a:rPr lang="en-US"/>
               <a:t>Click to edit Master text styles</a:t>
             </a:r>
           </a:p>
           <a:p>
             <a:pPr lvl="1"/>
             <a:r>
-              <a:rPr lang="en-US" smtClean="0"/>
+              <a:rPr lang="en-US"/>
               <a:t>Second level</a:t>
             </a:r>
           </a:p>
           <a:p>
             <a:pPr lvl="2"/>
             <a:r>
-              <a:rPr lang="en-US" smtClean="0"/>
+              <a:rPr lang="en-US"/>
               <a:t>Third level</a:t>
             </a:r>
           </a:p>
           <a:p>
             <a:pPr lvl="3"/>
             <a:r>
-              <a:rPr lang="en-US" smtClean="0"/>
+              <a:rPr lang="en-US"/>
               <a:t>Fourth level</a:t>
             </a:r>
           </a:p>
           <a:p>
             <a:pPr lvl="4"/>
             <a:r>
-              <a:rPr lang="en-US" smtClean="0"/>
+              <a:rPr lang="en-US"/>
               <a:t>Fifth level</a:t>
             </a:r>
             <a:endParaRPr lang="en-US" dirty="0"/>
@@ -1709,35 +1709,35 @@
           <a:p>
             <a:pPr lvl="0"/>
             <a:r>
-              <a:rPr lang="en-US" smtClean="0"/>
+              <a:rPr lang="en-US"/>
               <a:t>Click to edit Master text styles</a:t>
             </a:r>
           </a:p>
           <a:p>
             <a:pPr lvl="1"/>
             <a:r>
-              <a:rPr lang="en-US" smtClean="0"/>
+              <a:rPr lang="en-US"/>
               <a:t>Second level</a:t>
             </a:r>
           </a:p>
           <a:p>
             <a:pPr lvl="2"/>
             <a:r>
-              <a:rPr lang="en-US" smtClean="0"/>
+              <a:rPr lang="en-US"/>
               <a:t>Third level</a:t>
             </a:r>
           </a:p>
           <a:p>
             <a:pPr lvl="3"/>
             <a:r>
-              <a:rPr lang="en-US" smtClean="0"/>
+              <a:rPr lang="en-US"/>
               <a:t>Fourth level</a:t>
             </a:r>
           </a:p>
           <a:p>
             <a:pPr lvl="4"/>
             <a:r>
-              <a:rPr lang="en-US" smtClean="0"/>
+              <a:rPr lang="en-US"/>
               <a:t>Fifth level</a:t>
             </a:r>
             <a:endParaRPr lang="en-US" dirty="0"/>
@@ -1761,7 +1761,7 @@
           <a:p>
             <a:fld id="{DF85CC7C-82E5-4B84-9C6A-800DA7308ED4}" type="datetimeFigureOut">
               <a:rPr lang="en-AU" smtClean="0"/>
-              <a:t>10/07/2023</a:t>
+              <a:t>20/07/2023</a:t>
             </a:fld>
             <a:endParaRPr lang="en-AU"/>
           </a:p>
@@ -1860,7 +1860,7 @@
           <a:lstStyle/>
           <a:p>
             <a:r>
-              <a:rPr lang="en-US" smtClean="0"/>
+              <a:rPr lang="en-US"/>
               <a:t>Click to edit Master title style</a:t>
             </a:r>
             <a:endParaRPr lang="en-US" dirty="0"/>
@@ -1926,7 +1926,7 @@
           <a:p>
             <a:pPr lvl="0"/>
             <a:r>
-              <a:rPr lang="en-US" smtClean="0"/>
+              <a:rPr lang="en-US"/>
               <a:t>Click to edit Master text styles</a:t>
             </a:r>
           </a:p>
@@ -1954,35 +1954,35 @@
           <a:p>
             <a:pPr lvl="0"/>
             <a:r>
-              <a:rPr lang="en-US" smtClean="0"/>
+              <a:rPr lang="en-US"/>
               <a:t>Click to edit Master text styles</a:t>
             </a:r>
           </a:p>
           <a:p>
             <a:pPr lvl="1"/>
             <a:r>
-              <a:rPr lang="en-US" smtClean="0"/>
+              <a:rPr lang="en-US"/>
               <a:t>Second level</a:t>
             </a:r>
           </a:p>
           <a:p>
             <a:pPr lvl="2"/>
             <a:r>
-              <a:rPr lang="en-US" smtClean="0"/>
+              <a:rPr lang="en-US"/>
               <a:t>Third level</a:t>
             </a:r>
           </a:p>
           <a:p>
             <a:pPr lvl="3"/>
             <a:r>
-              <a:rPr lang="en-US" smtClean="0"/>
+              <a:rPr lang="en-US"/>
               <a:t>Fourth level</a:t>
             </a:r>
           </a:p>
           <a:p>
             <a:pPr lvl="4"/>
             <a:r>
-              <a:rPr lang="en-US" smtClean="0"/>
+              <a:rPr lang="en-US"/>
               <a:t>Fifth level</a:t>
             </a:r>
             <a:endParaRPr lang="en-US" dirty="0"/>
@@ -2048,7 +2048,7 @@
           <a:p>
             <a:pPr lvl="0"/>
             <a:r>
-              <a:rPr lang="en-US" smtClean="0"/>
+              <a:rPr lang="en-US"/>
               <a:t>Click to edit Master text styles</a:t>
             </a:r>
           </a:p>
@@ -2076,35 +2076,35 @@
           <a:p>
             <a:pPr lvl="0"/>
             <a:r>
-              <a:rPr lang="en-US" smtClean="0"/>
+              <a:rPr lang="en-US"/>
               <a:t>Click to edit Master text styles</a:t>
             </a:r>
           </a:p>
           <a:p>
             <a:pPr lvl="1"/>
             <a:r>
-              <a:rPr lang="en-US" smtClean="0"/>
+              <a:rPr lang="en-US"/>
               <a:t>Second level</a:t>
             </a:r>
           </a:p>
           <a:p>
             <a:pPr lvl="2"/>
             <a:r>
-              <a:rPr lang="en-US" smtClean="0"/>
+              <a:rPr lang="en-US"/>
               <a:t>Third level</a:t>
             </a:r>
           </a:p>
           <a:p>
             <a:pPr lvl="3"/>
             <a:r>
-              <a:rPr lang="en-US" smtClean="0"/>
+              <a:rPr lang="en-US"/>
               <a:t>Fourth level</a:t>
             </a:r>
           </a:p>
           <a:p>
             <a:pPr lvl="4"/>
             <a:r>
-              <a:rPr lang="en-US" smtClean="0"/>
+              <a:rPr lang="en-US"/>
               <a:t>Fifth level</a:t>
             </a:r>
             <a:endParaRPr lang="en-US" dirty="0"/>
@@ -2128,7 +2128,7 @@
           <a:p>
             <a:fld id="{DF85CC7C-82E5-4B84-9C6A-800DA7308ED4}" type="datetimeFigureOut">
               <a:rPr lang="en-AU" smtClean="0"/>
-              <a:t>10/07/2023</a:t>
+              <a:t>20/07/2023</a:t>
             </a:fld>
             <a:endParaRPr lang="en-AU"/>
           </a:p>
@@ -2222,7 +2222,7 @@
           <a:lstStyle/>
           <a:p>
             <a:r>
-              <a:rPr lang="en-US" smtClean="0"/>
+              <a:rPr lang="en-US"/>
               <a:t>Click to edit Master title style</a:t>
             </a:r>
             <a:endParaRPr lang="en-US" dirty="0"/>
@@ -2246,7 +2246,7 @@
           <a:p>
             <a:fld id="{DF85CC7C-82E5-4B84-9C6A-800DA7308ED4}" type="datetimeFigureOut">
               <a:rPr lang="en-AU" smtClean="0"/>
-              <a:t>10/07/2023</a:t>
+              <a:t>20/07/2023</a:t>
             </a:fld>
             <a:endParaRPr lang="en-AU"/>
           </a:p>
@@ -2341,7 +2341,7 @@
           <a:p>
             <a:fld id="{DF85CC7C-82E5-4B84-9C6A-800DA7308ED4}" type="datetimeFigureOut">
               <a:rPr lang="en-AU" smtClean="0"/>
-              <a:t>10/07/2023</a:t>
+              <a:t>20/07/2023</a:t>
             </a:fld>
             <a:endParaRPr lang="en-AU"/>
           </a:p>
@@ -2444,7 +2444,7 @@
           </a:lstStyle>
           <a:p>
             <a:r>
-              <a:rPr lang="en-US" smtClean="0"/>
+              <a:rPr lang="en-US"/>
               <a:t>Click to edit Master title style</a:t>
             </a:r>
             <a:endParaRPr lang="en-US" dirty="0"/>
@@ -2501,35 +2501,35 @@
           <a:p>
             <a:pPr lvl="0"/>
             <a:r>
-              <a:rPr lang="en-US" smtClean="0"/>
+              <a:rPr lang="en-US"/>
               <a:t>Click to edit Master text styles</a:t>
             </a:r>
           </a:p>
           <a:p>
             <a:pPr lvl="1"/>
             <a:r>
-              <a:rPr lang="en-US" smtClean="0"/>
+              <a:rPr lang="en-US"/>
               <a:t>Second level</a:t>
             </a:r>
           </a:p>
           <a:p>
             <a:pPr lvl="2"/>
             <a:r>
-              <a:rPr lang="en-US" smtClean="0"/>
+              <a:rPr lang="en-US"/>
               <a:t>Third level</a:t>
             </a:r>
           </a:p>
           <a:p>
             <a:pPr lvl="3"/>
             <a:r>
-              <a:rPr lang="en-US" smtClean="0"/>
+              <a:rPr lang="en-US"/>
               <a:t>Fourth level</a:t>
             </a:r>
           </a:p>
           <a:p>
             <a:pPr lvl="4"/>
             <a:r>
-              <a:rPr lang="en-US" smtClean="0"/>
+              <a:rPr lang="en-US"/>
               <a:t>Fifth level</a:t>
             </a:r>
             <a:endParaRPr lang="en-US" dirty="0"/>
@@ -2595,7 +2595,7 @@
           <a:p>
             <a:pPr lvl="0"/>
             <a:r>
-              <a:rPr lang="en-US" smtClean="0"/>
+              <a:rPr lang="en-US"/>
               <a:t>Click to edit Master text styles</a:t>
             </a:r>
           </a:p>
@@ -2618,7 +2618,7 @@
           <a:p>
             <a:fld id="{DF85CC7C-82E5-4B84-9C6A-800DA7308ED4}" type="datetimeFigureOut">
               <a:rPr lang="en-AU" smtClean="0"/>
-              <a:t>10/07/2023</a:t>
+              <a:t>20/07/2023</a:t>
             </a:fld>
             <a:endParaRPr lang="en-AU"/>
           </a:p>
@@ -2721,7 +2721,7 @@
           </a:lstStyle>
           <a:p>
             <a:r>
-              <a:rPr lang="en-US" smtClean="0"/>
+              <a:rPr lang="en-US"/>
               <a:t>Click to edit Master title style</a:t>
             </a:r>
             <a:endParaRPr lang="en-US" dirty="0"/>
@@ -2786,7 +2786,7 @@
           </a:lstStyle>
           <a:p>
             <a:r>
-              <a:rPr lang="en-US" smtClean="0"/>
+              <a:rPr lang="en-US"/>
               <a:t>Click icon to add picture</a:t>
             </a:r>
             <a:endParaRPr lang="en-US" dirty="0"/>
@@ -2852,7 +2852,7 @@
           <a:p>
             <a:pPr lvl="0"/>
             <a:r>
-              <a:rPr lang="en-US" smtClean="0"/>
+              <a:rPr lang="en-US"/>
               <a:t>Click to edit Master text styles</a:t>
             </a:r>
           </a:p>
@@ -2875,7 +2875,7 @@
           <a:p>
             <a:fld id="{DF85CC7C-82E5-4B84-9C6A-800DA7308ED4}" type="datetimeFigureOut">
               <a:rPr lang="en-AU" smtClean="0"/>
-              <a:t>10/07/2023</a:t>
+              <a:t>20/07/2023</a:t>
             </a:fld>
             <a:endParaRPr lang="en-AU"/>
           </a:p>
@@ -2984,7 +2984,7 @@
           <a:lstStyle/>
           <a:p>
             <a:r>
-              <a:rPr lang="en-US" smtClean="0"/>
+              <a:rPr lang="en-US"/>
               <a:t>Click to edit Master title style</a:t>
             </a:r>
             <a:endParaRPr lang="en-US" dirty="0"/>
@@ -3018,35 +3018,35 @@
           <a:p>
             <a:pPr lvl="0"/>
             <a:r>
-              <a:rPr lang="en-US" smtClean="0"/>
+              <a:rPr lang="en-US"/>
               <a:t>Click to edit Master text styles</a:t>
             </a:r>
           </a:p>
           <a:p>
             <a:pPr lvl="1"/>
             <a:r>
-              <a:rPr lang="en-US" smtClean="0"/>
+              <a:rPr lang="en-US"/>
               <a:t>Second level</a:t>
             </a:r>
           </a:p>
           <a:p>
             <a:pPr lvl="2"/>
             <a:r>
-              <a:rPr lang="en-US" smtClean="0"/>
+              <a:rPr lang="en-US"/>
               <a:t>Third level</a:t>
             </a:r>
           </a:p>
           <a:p>
             <a:pPr lvl="3"/>
             <a:r>
-              <a:rPr lang="en-US" smtClean="0"/>
+              <a:rPr lang="en-US"/>
               <a:t>Fourth level</a:t>
             </a:r>
           </a:p>
           <a:p>
             <a:pPr lvl="4"/>
             <a:r>
-              <a:rPr lang="en-US" smtClean="0"/>
+              <a:rPr lang="en-US"/>
               <a:t>Fifth level</a:t>
             </a:r>
             <a:endParaRPr lang="en-US" dirty="0"/>
@@ -3088,7 +3088,7 @@
           <a:p>
             <a:fld id="{DF85CC7C-82E5-4B84-9C6A-800DA7308ED4}" type="datetimeFigureOut">
               <a:rPr lang="en-AU" smtClean="0"/>
-              <a:t>10/07/2023</a:t>
+              <a:t>20/07/2023</a:t>
             </a:fld>
             <a:endParaRPr lang="en-AU"/>
           </a:p>
@@ -3495,14 +3495,14 @@
       </p:grpSpPr>
       <p:sp>
         <p:nvSpPr>
-          <p:cNvPr id="15" name="Rectangle 14"/>
+          <p:cNvPr id="10" name="Rectangle 9"/>
           <p:cNvSpPr/>
           <p:nvPr/>
         </p:nvSpPr>
         <p:spPr>
-          <a:xfrm rot="10800000">
-            <a:off x="-2495" y="1076521"/>
-            <a:ext cx="6858000" cy="5294246"/>
+          <a:xfrm>
+            <a:off x="3571" y="1961965"/>
+            <a:ext cx="6858000" cy="2471401"/>
           </a:xfrm>
           <a:prstGeom prst="rect">
             <a:avLst/>
@@ -3517,17 +3517,13 @@
                 </a:schemeClr>
               </a:gs>
               <a:gs pos="61000">
-                <a:srgbClr val="002060">
-                  <a:alpha val="53000"/>
-                </a:srgbClr>
+                <a:srgbClr val="FF8C52"/>
               </a:gs>
               <a:gs pos="40260">
-                <a:srgbClr val="546A95">
-                  <a:alpha val="0"/>
-                </a:srgbClr>
+                <a:srgbClr val="FF8C52"/>
               </a:gs>
               <a:gs pos="72000">
-                <a:srgbClr val="002060"/>
+                <a:srgbClr val="FF8C52"/>
               </a:gs>
               <a:gs pos="100000">
                 <a:schemeClr val="accent1">
@@ -3536,7 +3532,7 @@
                 </a:schemeClr>
               </a:gs>
               <a:gs pos="99000">
-                <a:schemeClr val="tx1"/>
+                <a:srgbClr val="FF8C52"/>
               </a:gs>
             </a:gsLst>
             <a:lin ang="5400000" scaled="1"/>
@@ -3570,246 +3566,79 @@
           </a:p>
         </p:txBody>
       </p:sp>
-      <p:pic>
-        <p:nvPicPr>
-          <p:cNvPr id="8" name="Picture 7"/>
-          <p:cNvPicPr>
-            <a:picLocks noChangeAspect="1"/>
-          </p:cNvPicPr>
+      <p:sp>
+        <p:nvSpPr>
+          <p:cNvPr id="15" name="Rectangle 14"/>
+          <p:cNvSpPr/>
           <p:nvPr/>
-        </p:nvPicPr>
-        <p:blipFill>
-          <a:blip r:embed="rId3" cstate="print">
-            <a:extLst>
-              <a:ext uri="{28A0092B-C50C-407E-A947-70E740481C1C}">
-                <a14:useLocalDpi xmlns:a14="http://schemas.microsoft.com/office/drawing/2010/main" val="0"/>
-              </a:ext>
-            </a:extLst>
-          </a:blip>
-          <a:stretch>
-            <a:fillRect/>
-          </a:stretch>
-        </p:blipFill>
+        </p:nvSpPr>
         <p:spPr>
-          <a:xfrm>
-            <a:off x="1156130" y="1763962"/>
-            <a:ext cx="3274849" cy="1823162"/>
+          <a:xfrm rot="10800000">
+            <a:off x="24232" y="-40126"/>
+            <a:ext cx="6858000" cy="1829868"/>
           </a:xfrm>
           <a:prstGeom prst="rect">
             <a:avLst/>
           </a:prstGeom>
+          <a:gradFill>
+            <a:gsLst>
+              <a:gs pos="0">
+                <a:schemeClr val="accent1">
+                  <a:lumMod val="5000"/>
+                  <a:lumOff val="95000"/>
+                  <a:alpha val="0"/>
+                </a:schemeClr>
+              </a:gs>
+              <a:gs pos="61000">
+                <a:srgbClr val="FF8C52"/>
+              </a:gs>
+              <a:gs pos="40260">
+                <a:srgbClr val="FF8C52"/>
+              </a:gs>
+              <a:gs pos="72000">
+                <a:srgbClr val="FF8C52"/>
+              </a:gs>
+              <a:gs pos="100000">
+                <a:schemeClr val="accent1">
+                  <a:lumMod val="45000"/>
+                  <a:lumOff val="55000"/>
+                </a:schemeClr>
+              </a:gs>
+              <a:gs pos="99000">
+                <a:srgbClr val="FF8C52"/>
+              </a:gs>
+            </a:gsLst>
+            <a:lin ang="5400000" scaled="1"/>
+          </a:gradFill>
+          <a:ln>
+            <a:noFill/>
+          </a:ln>
         </p:spPr>
-      </p:pic>
-      <p:pic>
-        <p:nvPicPr>
-          <p:cNvPr id="9" name="Picture 8"/>
-          <p:cNvPicPr>
-            <a:picLocks noChangeAspect="1"/>
-          </p:cNvPicPr>
-          <p:nvPr/>
-        </p:nvPicPr>
-        <p:blipFill>
-          <a:blip r:embed="rId4" cstate="print">
-            <a:extLst>
-              <a:ext uri="{28A0092B-C50C-407E-A947-70E740481C1C}">
-                <a14:useLocalDpi xmlns:a14="http://schemas.microsoft.com/office/drawing/2010/main" val="0"/>
-              </a:ext>
-            </a:extLst>
-          </a:blip>
-          <a:stretch>
-            <a:fillRect/>
-          </a:stretch>
-        </p:blipFill>
-        <p:spPr>
-          <a:xfrm flipH="1">
-            <a:off x="3024952" y="1756212"/>
-            <a:ext cx="3297710" cy="2005478"/>
-          </a:xfrm>
-          <a:prstGeom prst="rect">
-            <a:avLst/>
-          </a:prstGeom>
-        </p:spPr>
-      </p:pic>
-      <p:pic>
-        <p:nvPicPr>
-          <p:cNvPr id="11" name="Picture 10"/>
-          <p:cNvPicPr>
-            <a:picLocks noChangeAspect="1"/>
-          </p:cNvPicPr>
-          <p:nvPr/>
-        </p:nvPicPr>
-        <p:blipFill>
-          <a:blip r:embed="rId5">
-            <a:extLst>
-              <a:ext uri="{28A0092B-C50C-407E-A947-70E740481C1C}">
-                <a14:useLocalDpi xmlns:a14="http://schemas.microsoft.com/office/drawing/2010/main" val="0"/>
-              </a:ext>
-            </a:extLst>
-          </a:blip>
-          <a:stretch>
-            <a:fillRect/>
-          </a:stretch>
-        </p:blipFill>
-        <p:spPr>
-          <a:xfrm>
-            <a:off x="2716572" y="2017771"/>
-            <a:ext cx="1696834" cy="3039728"/>
-          </a:xfrm>
-          <a:prstGeom prst="rect">
-            <a:avLst/>
-          </a:prstGeom>
-        </p:spPr>
-      </p:pic>
-      <p:pic>
-        <p:nvPicPr>
-          <p:cNvPr id="5" name="Picture 4"/>
-          <p:cNvPicPr>
-            <a:picLocks noChangeAspect="1"/>
-          </p:cNvPicPr>
-          <p:nvPr/>
-        </p:nvPicPr>
-        <p:blipFill>
-          <a:blip r:embed="rId3">
-            <a:extLst>
-              <a:ext uri="{28A0092B-C50C-407E-A947-70E740481C1C}">
-                <a14:useLocalDpi xmlns:a14="http://schemas.microsoft.com/office/drawing/2010/main" val="0"/>
-              </a:ext>
-            </a:extLst>
-          </a:blip>
-          <a:stretch>
-            <a:fillRect/>
-          </a:stretch>
-        </p:blipFill>
-        <p:spPr>
-          <a:xfrm flipH="1">
-            <a:off x="3501583" y="2497080"/>
-            <a:ext cx="3990227" cy="2426628"/>
-          </a:xfrm>
-          <a:prstGeom prst="rect">
-            <a:avLst/>
-          </a:prstGeom>
-        </p:spPr>
-      </p:pic>
-      <p:pic>
-        <p:nvPicPr>
-          <p:cNvPr id="3" name="Picture 2"/>
-          <p:cNvPicPr>
-            <a:picLocks noChangeAspect="1"/>
-          </p:cNvPicPr>
-          <p:nvPr/>
-        </p:nvPicPr>
-        <p:blipFill>
-          <a:blip r:embed="rId3">
-            <a:extLst>
-              <a:ext uri="{28A0092B-C50C-407E-A947-70E740481C1C}">
-                <a14:useLocalDpi xmlns:a14="http://schemas.microsoft.com/office/drawing/2010/main" val="0"/>
-              </a:ext>
-            </a:extLst>
-          </a:blip>
-          <a:stretch>
-            <a:fillRect/>
-          </a:stretch>
-        </p:blipFill>
-        <p:spPr>
-          <a:xfrm>
-            <a:off x="-383774" y="2328827"/>
-            <a:ext cx="4358822" cy="2426628"/>
-          </a:xfrm>
-          <a:prstGeom prst="rect">
-            <a:avLst/>
-          </a:prstGeom>
-        </p:spPr>
-      </p:pic>
-      <p:pic>
-        <p:nvPicPr>
-          <p:cNvPr id="7" name="Picture 6"/>
-          <p:cNvPicPr>
-            <a:picLocks noChangeAspect="1"/>
-          </p:cNvPicPr>
-          <p:nvPr/>
-        </p:nvPicPr>
-        <p:blipFill>
-          <a:blip r:embed="rId6">
-            <a:extLst>
-              <a:ext uri="{28A0092B-C50C-407E-A947-70E740481C1C}">
-                <a14:useLocalDpi xmlns:a14="http://schemas.microsoft.com/office/drawing/2010/main" val="0"/>
-              </a:ext>
-            </a:extLst>
-          </a:blip>
-          <a:stretch>
-            <a:fillRect/>
-          </a:stretch>
-        </p:blipFill>
-        <p:spPr>
-          <a:xfrm>
-            <a:off x="2521621" y="2390682"/>
-            <a:ext cx="5218060" cy="3684967"/>
-          </a:xfrm>
-          <a:prstGeom prst="rect">
-            <a:avLst/>
-          </a:prstGeom>
-        </p:spPr>
-      </p:pic>
-      <p:pic>
-        <p:nvPicPr>
-          <p:cNvPr id="12" name="Picture 11"/>
-          <p:cNvPicPr>
-            <a:picLocks noChangeAspect="1"/>
-          </p:cNvPicPr>
-          <p:nvPr/>
-        </p:nvPicPr>
-        <p:blipFill>
-          <a:blip r:embed="rId6">
-            <a:extLst>
-              <a:ext uri="{28A0092B-C50C-407E-A947-70E740481C1C}">
-                <a14:useLocalDpi xmlns:a14="http://schemas.microsoft.com/office/drawing/2010/main" val="0"/>
-              </a:ext>
-            </a:extLst>
-          </a:blip>
-          <a:stretch>
-            <a:fillRect/>
-          </a:stretch>
-        </p:blipFill>
-        <p:spPr>
-          <a:xfrm flipH="1">
-            <a:off x="-943481" y="2624433"/>
-            <a:ext cx="4024895" cy="2768570"/>
-          </a:xfrm>
-          <a:prstGeom prst="rect">
-            <a:avLst/>
-          </a:prstGeom>
-        </p:spPr>
-      </p:pic>
-      <p:pic>
-        <p:nvPicPr>
-          <p:cNvPr id="13" name="Picture 12"/>
-          <p:cNvPicPr>
-            <a:picLocks noChangeAspect="1"/>
-          </p:cNvPicPr>
-          <p:nvPr/>
-        </p:nvPicPr>
-        <p:blipFill>
-          <a:blip r:embed="rId6">
-            <a:extLst>
-              <a:ext uri="{28A0092B-C50C-407E-A947-70E740481C1C}">
-                <a14:useLocalDpi xmlns:a14="http://schemas.microsoft.com/office/drawing/2010/main" val="0"/>
-              </a:ext>
-            </a:extLst>
-          </a:blip>
-          <a:stretch>
-            <a:fillRect/>
-          </a:stretch>
-        </p:blipFill>
-        <p:spPr>
-          <a:xfrm>
-            <a:off x="3602889" y="3853886"/>
-            <a:ext cx="3564005" cy="2516882"/>
-          </a:xfrm>
-          <a:prstGeom prst="rect">
-            <a:avLst/>
-          </a:prstGeom>
-        </p:spPr>
-      </p:pic>
+        <p:style>
+          <a:lnRef idx="2">
+            <a:schemeClr val="accent1">
+              <a:shade val="50000"/>
+            </a:schemeClr>
+          </a:lnRef>
+          <a:fillRef idx="1">
+            <a:schemeClr val="accent1"/>
+          </a:fillRef>
+          <a:effectRef idx="0">
+            <a:schemeClr val="accent1"/>
+          </a:effectRef>
+          <a:fontRef idx="minor">
+            <a:schemeClr val="lt1"/>
+          </a:fontRef>
+        </p:style>
+        <p:txBody>
+          <a:bodyPr rtlCol="0" anchor="ctr"/>
+          <a:lstStyle/>
+          <a:p>
+            <a:pPr algn="ctr"/>
+            <a:endParaRPr lang="en-AU"/>
+          </a:p>
+        </p:txBody>
+      </p:sp>
       <p:sp>
         <p:nvSpPr>
           <p:cNvPr id="2" name="Rectangle 1"/>
@@ -3858,129 +3687,6 @@
       </p:sp>
       <p:sp>
         <p:nvSpPr>
-          <p:cNvPr id="10" name="Rectangle 9"/>
-          <p:cNvSpPr/>
-          <p:nvPr/>
-        </p:nvSpPr>
-        <p:spPr>
-          <a:xfrm>
-            <a:off x="-2495" y="1143197"/>
-            <a:ext cx="6858000" cy="5462678"/>
-          </a:xfrm>
-          <a:prstGeom prst="rect">
-            <a:avLst/>
-          </a:prstGeom>
-          <a:gradFill>
-            <a:gsLst>
-              <a:gs pos="0">
-                <a:schemeClr val="accent1">
-                  <a:lumMod val="5000"/>
-                  <a:lumOff val="95000"/>
-                  <a:alpha val="0"/>
-                </a:schemeClr>
-              </a:gs>
-              <a:gs pos="61000">
-                <a:srgbClr val="002060">
-                  <a:alpha val="53000"/>
-                </a:srgbClr>
-              </a:gs>
-              <a:gs pos="40260">
-                <a:srgbClr val="546A95">
-                  <a:alpha val="0"/>
-                </a:srgbClr>
-              </a:gs>
-              <a:gs pos="72000">
-                <a:srgbClr val="002060"/>
-              </a:gs>
-              <a:gs pos="100000">
-                <a:schemeClr val="accent1">
-                  <a:lumMod val="45000"/>
-                  <a:lumOff val="55000"/>
-                </a:schemeClr>
-              </a:gs>
-              <a:gs pos="99000">
-                <a:schemeClr val="tx1"/>
-              </a:gs>
-            </a:gsLst>
-            <a:lin ang="5400000" scaled="1"/>
-          </a:gradFill>
-          <a:ln>
-            <a:noFill/>
-          </a:ln>
-        </p:spPr>
-        <p:style>
-          <a:lnRef idx="2">
-            <a:schemeClr val="accent1">
-              <a:shade val="50000"/>
-            </a:schemeClr>
-          </a:lnRef>
-          <a:fillRef idx="1">
-            <a:schemeClr val="accent1"/>
-          </a:fillRef>
-          <a:effectRef idx="0">
-            <a:schemeClr val="accent1"/>
-          </a:effectRef>
-          <a:fontRef idx="minor">
-            <a:schemeClr val="lt1"/>
-          </a:fontRef>
-        </p:style>
-        <p:txBody>
-          <a:bodyPr rtlCol="0" anchor="ctr"/>
-          <a:lstStyle/>
-          <a:p>
-            <a:pPr algn="ctr"/>
-            <a:endParaRPr lang="en-AU"/>
-          </a:p>
-        </p:txBody>
-      </p:sp>
-      <p:sp>
-        <p:nvSpPr>
-          <p:cNvPr id="14" name="Rectangle 13"/>
-          <p:cNvSpPr/>
-          <p:nvPr/>
-        </p:nvSpPr>
-        <p:spPr>
-          <a:xfrm>
-            <a:off x="0" y="0"/>
-            <a:ext cx="6858000" cy="1143197"/>
-          </a:xfrm>
-          <a:prstGeom prst="rect">
-            <a:avLst/>
-          </a:prstGeom>
-          <a:solidFill>
-            <a:schemeClr val="tx1"/>
-          </a:solidFill>
-          <a:ln>
-            <a:noFill/>
-          </a:ln>
-        </p:spPr>
-        <p:style>
-          <a:lnRef idx="2">
-            <a:schemeClr val="accent1">
-              <a:shade val="50000"/>
-            </a:schemeClr>
-          </a:lnRef>
-          <a:fillRef idx="1">
-            <a:schemeClr val="accent1"/>
-          </a:fillRef>
-          <a:effectRef idx="0">
-            <a:schemeClr val="accent1"/>
-          </a:effectRef>
-          <a:fontRef idx="minor">
-            <a:schemeClr val="lt1"/>
-          </a:fontRef>
-        </p:style>
-        <p:txBody>
-          <a:bodyPr rtlCol="0" anchor="ctr"/>
-          <a:lstStyle/>
-          <a:p>
-            <a:pPr algn="ctr"/>
-            <a:endParaRPr lang="en-AU"/>
-          </a:p>
-        </p:txBody>
-      </p:sp>
-      <p:sp>
-        <p:nvSpPr>
           <p:cNvPr id="17" name="Rectangle 16"/>
           <p:cNvSpPr/>
           <p:nvPr/>
@@ -4033,8 +3739,8 @@
         </p:nvSpPr>
         <p:spPr>
           <a:xfrm>
-            <a:off x="-3079" y="307992"/>
-            <a:ext cx="6856924" cy="1323439"/>
+            <a:off x="1620538" y="-739"/>
+            <a:ext cx="5260617" cy="830997"/>
           </a:xfrm>
           <a:prstGeom prst="rect">
             <a:avLst/>
@@ -4049,7 +3755,7 @@
           <a:p>
             <a:pPr algn="ctr"/>
             <a:r>
-              <a:rPr lang="en-US" sz="4800" b="1" cap="small" dirty="0" smtClean="0">
+              <a:rPr lang="en-US" sz="4800" b="1" cap="small" dirty="0">
                 <a:ln w="6600">
                   <a:solidFill>
                     <a:srgbClr val="00FF00"/>
@@ -4066,155 +3772,15 @@
                       <a:alpha val="40000"/>
                     </a:schemeClr>
                   </a:glow>
-                  <a:outerShdw blurRad="75057" dist="38100" dir="5400000" sy="-20000" rotWithShape="0">
+                  <a:outerShdw dist="38100" dir="5400000" sy="-20000" rotWithShape="0">
                     <a:prstClr val="black">
-                      <a:alpha val="25000"/>
+                      <a:alpha val="0"/>
                     </a:prstClr>
                   </a:outerShdw>
                 </a:effectLst>
                 <a:latin typeface="Oxygen" panose="02000503000000000000" pitchFamily="2" charset="0"/>
               </a:rPr>
-              <a:t>Artificial Intelligence </a:t>
-            </a:r>
-            <a:r>
-              <a:rPr lang="en-US" sz="2400" dirty="0" smtClean="0">
-                <a:ln w="6600">
-                  <a:solidFill>
-                    <a:srgbClr val="00FF00"/>
-                  </a:solidFill>
-                  <a:prstDash val="solid"/>
-                </a:ln>
-                <a:solidFill>
-                  <a:schemeClr val="bg1"/>
-                </a:solidFill>
-                <a:effectLst>
-                  <a:glow rad="139700">
-                    <a:schemeClr val="accent6">
-                      <a:satMod val="175000"/>
-                      <a:alpha val="40000"/>
-                    </a:schemeClr>
-                  </a:glow>
-                  <a:outerShdw blurRad="75057" dist="38100" dir="5400000" sy="-20000" rotWithShape="0">
-                    <a:prstClr val="black">
-                      <a:alpha val="25000"/>
-                    </a:prstClr>
-                  </a:outerShdw>
-                </a:effectLst>
-                <a:latin typeface="Oxygen" panose="02000503000000000000" pitchFamily="2" charset="0"/>
-              </a:rPr>
-              <a:t>Time for </a:t>
-            </a:r>
-            <a:r>
-              <a:rPr lang="en-US" sz="3200" b="1" cap="small" dirty="0" smtClean="0">
-                <a:ln w="6600">
-                  <a:solidFill>
-                    <a:srgbClr val="00FF00"/>
-                  </a:solidFill>
-                  <a:prstDash val="solid"/>
-                </a:ln>
-                <a:solidFill>
-                  <a:schemeClr val="bg1"/>
-                </a:solidFill>
-                <a:effectLst>
-                  <a:glow rad="139700">
-                    <a:schemeClr val="accent6">
-                      <a:satMod val="175000"/>
-                      <a:alpha val="40000"/>
-                    </a:schemeClr>
-                  </a:glow>
-                  <a:outerShdw blurRad="75057" dist="38100" dir="5400000" sy="-20000" rotWithShape="0">
-                    <a:prstClr val="black">
-                      <a:alpha val="25000"/>
-                    </a:prstClr>
-                  </a:outerShdw>
-                </a:effectLst>
-                <a:latin typeface="Oxygen" panose="02000503000000000000" pitchFamily="2" charset="0"/>
-              </a:rPr>
-              <a:t>Your Child </a:t>
-            </a:r>
-            <a:r>
-              <a:rPr lang="en-US" sz="2400" dirty="0" smtClean="0">
-                <a:ln w="6600">
-                  <a:solidFill>
-                    <a:srgbClr val="00FF00"/>
-                  </a:solidFill>
-                  <a:prstDash val="solid"/>
-                </a:ln>
-                <a:solidFill>
-                  <a:schemeClr val="bg1"/>
-                </a:solidFill>
-                <a:effectLst>
-                  <a:glow rad="139700">
-                    <a:schemeClr val="accent6">
-                      <a:satMod val="175000"/>
-                      <a:alpha val="40000"/>
-                    </a:schemeClr>
-                  </a:glow>
-                  <a:outerShdw blurRad="75057" dist="38100" dir="5400000" sy="-20000" rotWithShape="0">
-                    <a:prstClr val="black">
-                      <a:alpha val="25000"/>
-                    </a:prstClr>
-                  </a:outerShdw>
-                </a:effectLst>
-                <a:latin typeface="Oxygen" panose="02000503000000000000" pitchFamily="2" charset="0"/>
-              </a:rPr>
-              <a:t>to join </a:t>
-            </a:r>
-            <a:r>
-              <a:rPr lang="en-US" sz="3200" b="1" cap="small" dirty="0">
-                <a:ln w="6600">
-                  <a:solidFill>
-                    <a:srgbClr val="00FF00"/>
-                  </a:solidFill>
-                  <a:prstDash val="solid"/>
-                </a:ln>
-                <a:solidFill>
-                  <a:schemeClr val="bg1"/>
-                </a:solidFill>
-                <a:effectLst>
-                  <a:glow rad="139700">
-                    <a:schemeClr val="accent6">
-                      <a:satMod val="175000"/>
-                      <a:alpha val="40000"/>
-                    </a:schemeClr>
-                  </a:glow>
-                  <a:outerShdw blurRad="75057" dist="38100" dir="5400000" sy="-20000" rotWithShape="0">
-                    <a:prstClr val="black">
-                      <a:alpha val="25000"/>
-                    </a:prstClr>
-                  </a:outerShdw>
-                </a:effectLst>
-                <a:latin typeface="Oxygen" panose="02000503000000000000" pitchFamily="2" charset="0"/>
-              </a:rPr>
-              <a:t>the </a:t>
-            </a:r>
-            <a:r>
-              <a:rPr lang="en-US" sz="3200" b="1" cap="small" dirty="0" smtClean="0">
-                <a:ln w="6600">
-                  <a:solidFill>
-                    <a:srgbClr val="00FF00"/>
-                  </a:solidFill>
-                  <a:prstDash val="solid"/>
-                </a:ln>
-                <a:solidFill>
-                  <a:schemeClr val="bg1"/>
-                </a:solidFill>
-                <a:effectLst>
-                  <a:glow rad="139700">
-                    <a:schemeClr val="accent6">
-                      <a:satMod val="175000"/>
-                      <a:alpha val="40000"/>
-                    </a:schemeClr>
-                  </a:glow>
-                  <a:outerShdw blurRad="75057" dist="38100" dir="5400000" sy="-20000" rotWithShape="0">
-                    <a:prstClr val="black">
-                      <a:alpha val="25000"/>
-                    </a:prstClr>
-                  </a:outerShdw>
-                </a:effectLst>
-                <a:latin typeface="Oxygen" panose="02000503000000000000" pitchFamily="2" charset="0"/>
-              </a:rPr>
-              <a:t>Party</a:t>
+              <a:t>Coaching Classes</a:t>
             </a:r>
             <a:endParaRPr lang="en-AU" sz="3200" b="1" cap="small" dirty="0">
               <a:ln w="6600">
@@ -4233,9 +3799,9 @@
                     <a:alpha val="40000"/>
                   </a:schemeClr>
                 </a:glow>
-                <a:outerShdw blurRad="75057" dist="38100" dir="5400000" sy="-20000" rotWithShape="0">
+                <a:outerShdw dist="38100" dir="5400000" sy="-20000" rotWithShape="0">
                   <a:prstClr val="black">
-                    <a:alpha val="25000"/>
+                    <a:alpha val="0"/>
                   </a:prstClr>
                 </a:outerShdw>
               </a:effectLst>
@@ -4287,16 +3853,34 @@
                 </a:solidFill>
                 <a:latin typeface="Oxygen" panose="02000503000000000000" pitchFamily="2" charset="0"/>
               </a:rPr>
-              <a:t>t</a:t>
-            </a:r>
-            <a:r>
-              <a:rPr lang="en-US" sz="1400" b="1" dirty="0" smtClean="0">
+              <a:t>today's professions </a:t>
+            </a:r>
+            <a:r>
+              <a:rPr lang="en-US" sz="1100" b="1" dirty="0">
                 <a:solidFill>
                   <a:srgbClr val="FFC000"/>
                 </a:solidFill>
                 <a:latin typeface="Oxygen" panose="02000503000000000000" pitchFamily="2" charset="0"/>
               </a:rPr>
-              <a:t>oday's professions </a:t>
+              <a:t>will </a:t>
+            </a:r>
+            <a:r>
+              <a:rPr lang="en-US" sz="1400" b="1" dirty="0">
+                <a:solidFill>
+                  <a:srgbClr val="FFC000"/>
+                </a:solidFill>
+                <a:latin typeface="Oxygen" panose="02000503000000000000" pitchFamily="2" charset="0"/>
+              </a:rPr>
+              <a:t>succumb</a:t>
+            </a:r>
+            <a:r>
+              <a:rPr lang="en-US" sz="1200" b="1" dirty="0">
+                <a:solidFill>
+                  <a:srgbClr val="FFC000"/>
+                </a:solidFill>
+                <a:latin typeface="Oxygen" panose="02000503000000000000" pitchFamily="2" charset="0"/>
+              </a:rPr>
+              <a:t> </a:t>
             </a:r>
             <a:r>
               <a:rPr lang="en-US" sz="1100" b="1" dirty="0">
@@ -4305,172 +3889,55 @@
                 </a:solidFill>
                 <a:latin typeface="Oxygen" panose="02000503000000000000" pitchFamily="2" charset="0"/>
               </a:rPr>
-              <a:t>w</a:t>
-            </a:r>
-            <a:r>
-              <a:rPr lang="en-US" sz="1100" b="1" dirty="0" smtClean="0">
+              <a:t>to AI in 20 years</a:t>
+            </a:r>
+          </a:p>
+          <a:p>
+            <a:pPr algn="ctr"/>
+            <a:r>
+              <a:rPr lang="en-US" sz="1100" b="1" dirty="0">
                 <a:solidFill>
                   <a:srgbClr val="FFC000"/>
                 </a:solidFill>
                 <a:latin typeface="Oxygen" panose="02000503000000000000" pitchFamily="2" charset="0"/>
               </a:rPr>
-              <a:t>ill </a:t>
-            </a:r>
-            <a:r>
-              <a:rPr lang="en-US" sz="1400" b="1" dirty="0" smtClean="0">
+              <a:t>Prepare</a:t>
+            </a:r>
+            <a:r>
+              <a:rPr lang="en-US" sz="1200" b="1" dirty="0">
                 <a:solidFill>
                   <a:srgbClr val="FFC000"/>
                 </a:solidFill>
                 <a:latin typeface="Oxygen" panose="02000503000000000000" pitchFamily="2" charset="0"/>
               </a:rPr>
-              <a:t>succumb</a:t>
-            </a:r>
-            <a:r>
-              <a:rPr lang="en-US" sz="1200" b="1" dirty="0" smtClean="0">
+              <a:t> </a:t>
+            </a:r>
+            <a:r>
+              <a:rPr lang="en-US" sz="1400" b="1" dirty="0">
                 <a:solidFill>
                   <a:srgbClr val="FFC000"/>
                 </a:solidFill>
                 <a:latin typeface="Oxygen" panose="02000503000000000000" pitchFamily="2" charset="0"/>
               </a:rPr>
-              <a:t> </a:t>
-            </a:r>
-            <a:r>
-              <a:rPr lang="en-US" sz="1100" b="1" dirty="0" smtClean="0">
+              <a:t>your child </a:t>
+            </a:r>
+            <a:r>
+              <a:rPr lang="en-US" sz="1100" b="1" dirty="0">
                 <a:solidFill>
                   <a:srgbClr val="FFC000"/>
                 </a:solidFill>
                 <a:latin typeface="Oxygen" panose="02000503000000000000" pitchFamily="2" charset="0"/>
               </a:rPr>
-              <a:t>to AI </a:t>
-            </a:r>
-            <a:r>
-              <a:rPr lang="en-US" sz="1100" b="1" dirty="0">
+              <a:t>to take on the </a:t>
+            </a:r>
+            <a:r>
+              <a:rPr lang="en-US" sz="1400" b="1" dirty="0">
                 <a:solidFill>
                   <a:srgbClr val="FFC000"/>
                 </a:solidFill>
                 <a:latin typeface="Oxygen" panose="02000503000000000000" pitchFamily="2" charset="0"/>
               </a:rPr>
-              <a:t>in </a:t>
-            </a:r>
-            <a:r>
-              <a:rPr lang="en-US" sz="1100" b="1" dirty="0" smtClean="0">
-                <a:solidFill>
-                  <a:srgbClr val="FFC000"/>
-                </a:solidFill>
-                <a:latin typeface="Oxygen" panose="02000503000000000000" pitchFamily="2" charset="0"/>
-              </a:rPr>
-              <a:t>20 years</a:t>
-            </a:r>
-          </a:p>
-          <a:p>
-            <a:pPr algn="ctr"/>
-            <a:r>
-              <a:rPr lang="en-US" sz="1100" b="1" dirty="0" smtClean="0">
-                <a:solidFill>
-                  <a:srgbClr val="FFC000"/>
-                </a:solidFill>
-                <a:latin typeface="Oxygen" panose="02000503000000000000" pitchFamily="2" charset="0"/>
-              </a:rPr>
-              <a:t>Prepare</a:t>
-            </a:r>
-            <a:r>
-              <a:rPr lang="en-US" sz="1200" b="1" dirty="0" smtClean="0">
-                <a:solidFill>
-                  <a:srgbClr val="FFC000"/>
-                </a:solidFill>
-                <a:latin typeface="Oxygen" panose="02000503000000000000" pitchFamily="2" charset="0"/>
-              </a:rPr>
-              <a:t> </a:t>
-            </a:r>
-            <a:r>
-              <a:rPr lang="en-US" sz="1400" b="1" dirty="0">
-                <a:solidFill>
-                  <a:srgbClr val="FFC000"/>
-                </a:solidFill>
-                <a:latin typeface="Oxygen" panose="02000503000000000000" pitchFamily="2" charset="0"/>
-              </a:rPr>
-              <a:t>y</a:t>
-            </a:r>
-            <a:r>
-              <a:rPr lang="en-US" sz="1400" b="1" dirty="0" smtClean="0">
-                <a:solidFill>
-                  <a:srgbClr val="FFC000"/>
-                </a:solidFill>
-                <a:latin typeface="Oxygen" panose="02000503000000000000" pitchFamily="2" charset="0"/>
-              </a:rPr>
-              <a:t>our </a:t>
-            </a:r>
-            <a:r>
-              <a:rPr lang="en-US" sz="1400" b="1" dirty="0">
-                <a:solidFill>
-                  <a:srgbClr val="FFC000"/>
-                </a:solidFill>
-                <a:latin typeface="Oxygen" panose="02000503000000000000" pitchFamily="2" charset="0"/>
-              </a:rPr>
-              <a:t>c</a:t>
-            </a:r>
-            <a:r>
-              <a:rPr lang="en-US" sz="1400" b="1" dirty="0" smtClean="0">
-                <a:solidFill>
-                  <a:srgbClr val="FFC000"/>
-                </a:solidFill>
-                <a:latin typeface="Oxygen" panose="02000503000000000000" pitchFamily="2" charset="0"/>
-              </a:rPr>
-              <a:t>hild </a:t>
-            </a:r>
-            <a:r>
-              <a:rPr lang="en-US" sz="1100" b="1" dirty="0">
-                <a:solidFill>
-                  <a:srgbClr val="FFC000"/>
-                </a:solidFill>
-                <a:latin typeface="Oxygen" panose="02000503000000000000" pitchFamily="2" charset="0"/>
-              </a:rPr>
-              <a:t>to t</a:t>
-            </a:r>
-            <a:r>
-              <a:rPr lang="en-US" sz="1100" b="1" dirty="0" smtClean="0">
-                <a:solidFill>
-                  <a:srgbClr val="FFC000"/>
-                </a:solidFill>
-                <a:latin typeface="Oxygen" panose="02000503000000000000" pitchFamily="2" charset="0"/>
-              </a:rPr>
-              <a:t>ake </a:t>
-            </a:r>
-            <a:r>
-              <a:rPr lang="en-US" sz="1100" b="1" dirty="0">
-                <a:solidFill>
-                  <a:srgbClr val="FFC000"/>
-                </a:solidFill>
-                <a:latin typeface="Oxygen" panose="02000503000000000000" pitchFamily="2" charset="0"/>
-              </a:rPr>
-              <a:t>on </a:t>
-            </a:r>
-            <a:r>
-              <a:rPr lang="en-US" sz="1100" b="1" dirty="0" smtClean="0">
-                <a:solidFill>
-                  <a:srgbClr val="FFC000"/>
-                </a:solidFill>
-                <a:latin typeface="Oxygen" panose="02000503000000000000" pitchFamily="2" charset="0"/>
-              </a:rPr>
-              <a:t>the </a:t>
-            </a:r>
-            <a:r>
-              <a:rPr lang="en-US" sz="1400" b="1" dirty="0">
-                <a:solidFill>
-                  <a:srgbClr val="FFC000"/>
-                </a:solidFill>
-                <a:latin typeface="Oxygen" panose="02000503000000000000" pitchFamily="2" charset="0"/>
-              </a:rPr>
-              <a:t>f</a:t>
-            </a:r>
-            <a:r>
-              <a:rPr lang="en-US" sz="1400" b="1" dirty="0" smtClean="0">
-                <a:solidFill>
-                  <a:srgbClr val="FFC000"/>
-                </a:solidFill>
-                <a:latin typeface="Oxygen" panose="02000503000000000000" pitchFamily="2" charset="0"/>
-              </a:rPr>
-              <a:t>uture</a:t>
+              <a:t>future</a:t>
             </a:r>
           </a:p>
           <a:p>
@@ -4480,31 +3947,13 @@
               </a:lnSpc>
             </a:pPr>
             <a:r>
-              <a:rPr lang="en-US" sz="1600" b="1" dirty="0" smtClean="0">
+              <a:rPr lang="en-US" sz="1600" b="1" dirty="0">
                 <a:solidFill>
                   <a:srgbClr val="FFC000"/>
                 </a:solidFill>
                 <a:latin typeface="Oxygen" panose="02000503000000000000" pitchFamily="2" charset="0"/>
               </a:rPr>
-              <a:t>AI tuitions </a:t>
-            </a:r>
-            <a:r>
-              <a:rPr lang="en-US" sz="1600" b="1" dirty="0">
-                <a:solidFill>
-                  <a:srgbClr val="FFC000"/>
-                </a:solidFill>
-                <a:latin typeface="Oxygen" panose="02000503000000000000" pitchFamily="2" charset="0"/>
-              </a:rPr>
-              <a:t>for ICSE/CBSE/WB Board, Class </a:t>
-            </a:r>
-            <a:r>
-              <a:rPr lang="en-US" sz="1600" b="1" dirty="0" smtClean="0">
-                <a:solidFill>
-                  <a:srgbClr val="FFC000"/>
-                </a:solidFill>
-                <a:latin typeface="Oxygen" panose="02000503000000000000" pitchFamily="2" charset="0"/>
-              </a:rPr>
-              <a:t>IX-XII</a:t>
+              <a:t>AI tuitions for ICSE/CBSE/WB Board, Class IX-XII</a:t>
             </a:r>
           </a:p>
           <a:p>
@@ -4513,31 +3962,13 @@
               <a:buChar char="v"/>
             </a:pPr>
             <a:r>
-              <a:rPr lang="en-AU" sz="1000" b="1" dirty="0" smtClean="0">
+              <a:rPr lang="en-AU" sz="1000" b="1" dirty="0">
                 <a:solidFill>
                   <a:srgbClr val="FFC000"/>
                 </a:solidFill>
                 <a:latin typeface="Oxygen" panose="02000503000000000000" pitchFamily="2" charset="0"/>
               </a:rPr>
-              <a:t>Data </a:t>
-            </a:r>
-            <a:r>
-              <a:rPr lang="en-AU" sz="1000" b="1" dirty="0">
-                <a:solidFill>
-                  <a:srgbClr val="FFC000"/>
-                </a:solidFill>
-                <a:latin typeface="Oxygen" panose="02000503000000000000" pitchFamily="2" charset="0"/>
-              </a:rPr>
-              <a:t>Science Concepts </a:t>
-            </a:r>
-            <a:r>
-              <a:rPr lang="en-AU" sz="1000" b="1" dirty="0" smtClean="0">
-                <a:solidFill>
-                  <a:srgbClr val="FFC000"/>
-                </a:solidFill>
-                <a:latin typeface="Oxygen" panose="02000503000000000000" pitchFamily="2" charset="0"/>
-              </a:rPr>
-              <a:t>– Lucid details</a:t>
+              <a:t>Data Science Concepts – Lucid details</a:t>
             </a:r>
           </a:p>
           <a:p>
@@ -4552,23 +3983,8 @@
                 </a:solidFill>
                 <a:latin typeface="Oxygen" panose="02000503000000000000" pitchFamily="2" charset="0"/>
               </a:rPr>
-              <a:t>Python - </a:t>
-            </a:r>
-            <a:r>
-              <a:rPr lang="en-AU" sz="1000" b="1" dirty="0" smtClean="0">
-                <a:solidFill>
-                  <a:srgbClr val="FFC000"/>
-                </a:solidFill>
-                <a:latin typeface="Oxygen" panose="02000503000000000000" pitchFamily="2" charset="0"/>
-              </a:rPr>
-              <a:t>Basics</a:t>
-            </a:r>
-            <a:endParaRPr lang="en-AU" sz="1000" b="1" dirty="0">
-              <a:solidFill>
-                <a:srgbClr val="FFC000"/>
-              </a:solidFill>
-              <a:latin typeface="Oxygen" panose="02000503000000000000" pitchFamily="2" charset="0"/>
-            </a:endParaRPr>
+              <a:t>Python - Basics</a:t>
+            </a:r>
           </a:p>
           <a:p>
             <a:pPr marL="171450" indent="-171450" algn="ctr">
@@ -4597,41 +4013,8 @@
                 </a:solidFill>
                 <a:latin typeface="Oxygen" panose="02000503000000000000" pitchFamily="2" charset="0"/>
               </a:rPr>
-              <a:t>Computer Vision - C</a:t>
-            </a:r>
-            <a:r>
-              <a:rPr lang="en-AU" sz="1000" b="1" dirty="0" smtClean="0">
-                <a:solidFill>
-                  <a:srgbClr val="FFC000"/>
-                </a:solidFill>
-                <a:latin typeface="Oxygen" panose="02000503000000000000" pitchFamily="2" charset="0"/>
-              </a:rPr>
-              <a:t>ool </a:t>
-            </a:r>
-            <a:r>
-              <a:rPr lang="en-AU" sz="1000" b="1" dirty="0">
-                <a:solidFill>
-                  <a:srgbClr val="FFC000"/>
-                </a:solidFill>
-                <a:latin typeface="Oxygen" panose="02000503000000000000" pitchFamily="2" charset="0"/>
-              </a:rPr>
-              <a:t>p</a:t>
-            </a:r>
-            <a:r>
-              <a:rPr lang="en-AU" sz="1000" b="1" dirty="0" smtClean="0">
-                <a:solidFill>
-                  <a:srgbClr val="FFC000"/>
-                </a:solidFill>
-                <a:latin typeface="Oxygen" panose="02000503000000000000" pitchFamily="2" charset="0"/>
-              </a:rPr>
-              <a:t>rojects</a:t>
-            </a:r>
-            <a:endParaRPr lang="en-AU" sz="1000" b="1" dirty="0">
-              <a:solidFill>
-                <a:srgbClr val="FFC000"/>
-              </a:solidFill>
-              <a:latin typeface="Oxygen" panose="02000503000000000000" pitchFamily="2" charset="0"/>
-            </a:endParaRPr>
+              <a:t>Computer Vision - Cool projects</a:t>
+            </a:r>
           </a:p>
           <a:p>
             <a:pPr marL="171450" indent="-171450" algn="ctr">
@@ -4639,22 +4022,13 @@
               <a:buChar char="v"/>
             </a:pPr>
             <a:r>
-              <a:rPr lang="en-AU" sz="1000" b="1" dirty="0" smtClean="0">
+              <a:rPr lang="en-AU" sz="1000" b="1" dirty="0">
                 <a:solidFill>
                   <a:srgbClr val="FFC000"/>
                 </a:solidFill>
                 <a:latin typeface="Oxygen" panose="02000503000000000000" pitchFamily="2" charset="0"/>
               </a:rPr>
-              <a:t>Natural </a:t>
-            </a:r>
-            <a:r>
-              <a:rPr lang="en-AU" sz="1000" b="1" dirty="0">
-                <a:solidFill>
-                  <a:srgbClr val="FFC000"/>
-                </a:solidFill>
-                <a:latin typeface="Oxygen" panose="02000503000000000000" pitchFamily="2" charset="0"/>
-              </a:rPr>
-              <a:t>Language Processing</a:t>
+              <a:t>Natural Language Processing</a:t>
             </a:r>
           </a:p>
           <a:p>
@@ -4669,25 +4043,7 @@
                 </a:solidFill>
                 <a:latin typeface="Oxygen" panose="02000503000000000000" pitchFamily="2" charset="0"/>
               </a:rPr>
-              <a:t>Cyber Security - </a:t>
-            </a:r>
-            <a:r>
-              <a:rPr lang="en-AU" sz="1000" b="1" dirty="0" smtClean="0">
-                <a:solidFill>
-                  <a:srgbClr val="FFC000"/>
-                </a:solidFill>
-                <a:latin typeface="Oxygen" panose="02000503000000000000" pitchFamily="2" charset="0"/>
-              </a:rPr>
-              <a:t>Essential </a:t>
-            </a:r>
-            <a:r>
-              <a:rPr lang="en-AU" sz="1000" b="1" dirty="0">
-                <a:solidFill>
-                  <a:srgbClr val="FFC000"/>
-                </a:solidFill>
-                <a:latin typeface="Oxygen" panose="02000503000000000000" pitchFamily="2" charset="0"/>
-              </a:rPr>
-              <a:t>basics</a:t>
+              <a:t>Cyber Security - Essential basics</a:t>
             </a:r>
           </a:p>
           <a:p>
@@ -4711,31 +4067,13 @@
               <a:buChar char="v"/>
             </a:pPr>
             <a:r>
-              <a:rPr lang="en-AU" sz="1000" b="1" dirty="0" smtClean="0">
+              <a:rPr lang="en-AU" sz="1000" b="1" dirty="0">
                 <a:solidFill>
                   <a:srgbClr val="FFC000"/>
                 </a:solidFill>
                 <a:latin typeface="Oxygen" panose="02000503000000000000" pitchFamily="2" charset="0"/>
               </a:rPr>
-              <a:t>Technical </a:t>
-            </a:r>
-            <a:r>
-              <a:rPr lang="en-AU" sz="1000" b="1" dirty="0">
-                <a:solidFill>
-                  <a:srgbClr val="FFC000"/>
-                </a:solidFill>
-                <a:latin typeface="Oxygen" panose="02000503000000000000" pitchFamily="2" charset="0"/>
-              </a:rPr>
-              <a:t>Communication </a:t>
-            </a:r>
-            <a:r>
-              <a:rPr lang="en-AU" sz="1000" b="1" dirty="0" smtClean="0">
-                <a:solidFill>
-                  <a:srgbClr val="FFC000"/>
-                </a:solidFill>
-                <a:latin typeface="Oxygen" panose="02000503000000000000" pitchFamily="2" charset="0"/>
-              </a:rPr>
-              <a:t>Skills &amp; Business Intelligence</a:t>
+              <a:t>Technical Communication Skills &amp; Business Intelligence</a:t>
             </a:r>
             <a:endParaRPr lang="en-US" sz="1000" b="1" dirty="0">
               <a:solidFill>
@@ -4757,41 +4095,8 @@
                 </a:solidFill>
                 <a:latin typeface="Oxygen" panose="02000503000000000000" pitchFamily="2" charset="0"/>
               </a:rPr>
-              <a:t>Project based, </a:t>
-            </a:r>
-            <a:r>
-              <a:rPr lang="en-US" sz="1400" b="1" dirty="0" smtClean="0">
-                <a:solidFill>
-                  <a:srgbClr val="FFC000"/>
-                </a:solidFill>
-                <a:latin typeface="Oxygen" panose="02000503000000000000" pitchFamily="2" charset="0"/>
-              </a:rPr>
-              <a:t>fun </a:t>
-            </a:r>
-            <a:r>
-              <a:rPr lang="en-US" sz="1400" b="1" dirty="0">
-                <a:solidFill>
-                  <a:srgbClr val="FFC000"/>
-                </a:solidFill>
-                <a:latin typeface="Oxygen" panose="02000503000000000000" pitchFamily="2" charset="0"/>
-              </a:rPr>
-              <a:t>&amp; </a:t>
-            </a:r>
-            <a:r>
-              <a:rPr lang="en-US" sz="1400" b="1" dirty="0" smtClean="0">
-                <a:solidFill>
-                  <a:srgbClr val="FFC000"/>
-                </a:solidFill>
-                <a:latin typeface="Oxygen" panose="02000503000000000000" pitchFamily="2" charset="0"/>
-              </a:rPr>
-              <a:t>easy learning</a:t>
-            </a:r>
-            <a:endParaRPr lang="en-US" sz="1400" b="1" dirty="0">
-              <a:solidFill>
-                <a:srgbClr val="FFC000"/>
-              </a:solidFill>
-              <a:latin typeface="Oxygen" panose="02000503000000000000" pitchFamily="2" charset="0"/>
-            </a:endParaRPr>
+              <a:t>Project based, fun &amp; easy learning</a:t>
+            </a:r>
           </a:p>
           <a:p>
             <a:pPr algn="ctr">
@@ -4806,52 +4111,7 @@
                 </a:solidFill>
                 <a:latin typeface="Oxygen" panose="02000503000000000000" pitchFamily="2" charset="0"/>
               </a:rPr>
-              <a:t>Globally e</a:t>
-            </a:r>
-            <a:r>
-              <a:rPr lang="en-US" sz="1400" b="1" dirty="0" smtClean="0">
-                <a:solidFill>
-                  <a:srgbClr val="FFC000"/>
-                </a:solidFill>
-                <a:latin typeface="Oxygen" panose="02000503000000000000" pitchFamily="2" charset="0"/>
-              </a:rPr>
-              <a:t>xperienced </a:t>
-            </a:r>
-            <a:r>
-              <a:rPr lang="en-US" sz="1400" b="1" dirty="0">
-                <a:solidFill>
-                  <a:srgbClr val="FFC000"/>
-                </a:solidFill>
-                <a:latin typeface="Oxygen" panose="02000503000000000000" pitchFamily="2" charset="0"/>
-              </a:rPr>
-              <a:t>f</a:t>
-            </a:r>
-            <a:r>
-              <a:rPr lang="en-US" sz="1400" b="1" dirty="0" smtClean="0">
-                <a:solidFill>
-                  <a:srgbClr val="FFC000"/>
-                </a:solidFill>
-                <a:latin typeface="Oxygen" panose="02000503000000000000" pitchFamily="2" charset="0"/>
-              </a:rPr>
-              <a:t>aculty </a:t>
-            </a:r>
-            <a:r>
-              <a:rPr lang="en-US" sz="1400" b="1" dirty="0">
-                <a:solidFill>
-                  <a:srgbClr val="FFC000"/>
-                </a:solidFill>
-                <a:latin typeface="Oxygen" panose="02000503000000000000" pitchFamily="2" charset="0"/>
-              </a:rPr>
-              <a:t>from </a:t>
-            </a:r>
-            <a:r>
-              <a:rPr lang="en-US" sz="1400" b="1" dirty="0" smtClean="0">
-                <a:solidFill>
-                  <a:srgbClr val="FFC000"/>
-                </a:solidFill>
-                <a:latin typeface="Oxygen" panose="02000503000000000000" pitchFamily="2" charset="0"/>
-              </a:rPr>
-              <a:t>prestigious organizations</a:t>
+              <a:t>Globally experienced faculty from prestigious organizations</a:t>
             </a:r>
             <a:endParaRPr lang="en-AU" sz="1400" b="1" dirty="0">
               <a:solidFill>
@@ -4907,7 +4167,7 @@
           <a:p>
             <a:pPr algn="ctr"/>
             <a:r>
-              <a:rPr lang="en-US" sz="1050" b="1" cap="small" dirty="0" smtClean="0">
+              <a:rPr lang="en-US" sz="1050" b="1" cap="small" dirty="0">
                 <a:solidFill>
                   <a:schemeClr val="bg1"/>
                 </a:solidFill>
@@ -4919,7 +4179,7 @@
           <a:p>
             <a:pPr algn="ctr"/>
             <a:r>
-              <a:rPr lang="en-US" sz="1050" b="1" cap="small" dirty="0" smtClean="0">
+              <a:rPr lang="en-US" sz="1050" b="1" cap="small" dirty="0">
                 <a:solidFill>
                   <a:schemeClr val="bg1"/>
                 </a:solidFill>
@@ -4931,7 +4191,7 @@
           <a:p>
             <a:pPr algn="ctr"/>
             <a:r>
-              <a:rPr lang="en-US" sz="1050" b="1" cap="small" dirty="0" smtClean="0">
+              <a:rPr lang="en-US" sz="1050" b="1" cap="small" dirty="0">
                 <a:solidFill>
                   <a:schemeClr val="bg1"/>
                 </a:solidFill>
@@ -4940,7 +4200,7 @@
               <a:t> </a:t>
             </a:r>
             <a:r>
-              <a:rPr lang="en-US" sz="2000" b="1" dirty="0" smtClean="0">
+              <a:rPr lang="en-US" sz="2000" b="1" dirty="0">
                 <a:solidFill>
                   <a:schemeClr val="bg1"/>
                 </a:solidFill>
@@ -4949,31 +4209,13 @@
               <a:t>50%</a:t>
             </a:r>
             <a:r>
-              <a:rPr lang="en-US" sz="1000" b="1" dirty="0" smtClean="0">
+              <a:rPr lang="en-US" sz="1000" b="1" dirty="0">
                 <a:solidFill>
                   <a:schemeClr val="bg1"/>
                 </a:solidFill>
                 <a:latin typeface="Oxygen" panose="02000503000000000000" pitchFamily="2" charset="0"/>
               </a:rPr>
-              <a:t> </a:t>
-            </a:r>
-            <a:r>
-              <a:rPr lang="en-US" sz="1000" b="1" dirty="0">
-                <a:solidFill>
-                  <a:schemeClr val="bg1"/>
-                </a:solidFill>
-                <a:latin typeface="Oxygen" panose="02000503000000000000" pitchFamily="2" charset="0"/>
-              </a:rPr>
-              <a:t>O</a:t>
-            </a:r>
-            <a:r>
-              <a:rPr lang="en-US" sz="1000" b="1" dirty="0" smtClean="0">
-                <a:solidFill>
-                  <a:schemeClr val="bg1"/>
-                </a:solidFill>
-                <a:latin typeface="Oxygen" panose="02000503000000000000" pitchFamily="2" charset="0"/>
-              </a:rPr>
-              <a:t>FF </a:t>
+              <a:t> OFF </a:t>
             </a:r>
           </a:p>
         </p:txBody>
@@ -4987,7 +4229,7 @@
           <p:nvPr/>
         </p:nvPicPr>
         <p:blipFill>
-          <a:blip r:embed="rId7" cstate="print">
+          <a:blip r:embed="rId3" cstate="print">
             <a:extLst>
               <a:ext uri="{28A0092B-C50C-407E-A947-70E740481C1C}">
                 <a14:useLocalDpi xmlns:a14="http://schemas.microsoft.com/office/drawing/2010/main" val="0"/>
@@ -5053,7 +4295,7 @@
           <a:p>
             <a:pPr algn="ctr"/>
             <a:r>
-              <a:rPr lang="en-US" sz="1050" b="1" cap="small" dirty="0" smtClean="0">
+              <a:rPr lang="en-US" sz="1050" b="1" cap="small" dirty="0">
                 <a:solidFill>
                   <a:schemeClr val="bg1"/>
                 </a:solidFill>
@@ -5065,7 +4307,7 @@
           <a:p>
             <a:pPr algn="ctr"/>
             <a:r>
-              <a:rPr lang="en-US" sz="1050" b="1" cap="small" dirty="0" smtClean="0">
+              <a:rPr lang="en-US" sz="1050" b="1" cap="small" dirty="0">
                 <a:solidFill>
                   <a:schemeClr val="bg1"/>
                 </a:solidFill>
@@ -5077,7 +4319,7 @@
           <a:p>
             <a:pPr algn="ctr"/>
             <a:r>
-              <a:rPr lang="en-US" sz="1050" b="1" cap="small" dirty="0" smtClean="0">
+              <a:rPr lang="en-US" sz="1050" b="1" cap="small" dirty="0">
                 <a:solidFill>
                   <a:schemeClr val="bg1"/>
                 </a:solidFill>
@@ -5086,7 +4328,7 @@
               <a:t> </a:t>
             </a:r>
             <a:r>
-              <a:rPr lang="en-US" sz="2000" b="1" dirty="0" smtClean="0">
+              <a:rPr lang="en-US" sz="2000" b="1" dirty="0">
                 <a:solidFill>
                   <a:schemeClr val="bg1"/>
                 </a:solidFill>
@@ -5095,31 +4337,13 @@
               <a:t>50%</a:t>
             </a:r>
             <a:r>
-              <a:rPr lang="en-US" sz="1000" b="1" dirty="0" smtClean="0">
+              <a:rPr lang="en-US" sz="1000" b="1" dirty="0">
                 <a:solidFill>
                   <a:schemeClr val="bg1"/>
                 </a:solidFill>
                 <a:latin typeface="Oxygen" panose="02000503000000000000" pitchFamily="2" charset="0"/>
               </a:rPr>
-              <a:t> </a:t>
-            </a:r>
-            <a:r>
-              <a:rPr lang="en-US" sz="1000" b="1" dirty="0">
-                <a:solidFill>
-                  <a:schemeClr val="bg1"/>
-                </a:solidFill>
-                <a:latin typeface="Oxygen" panose="02000503000000000000" pitchFamily="2" charset="0"/>
-              </a:rPr>
-              <a:t>O</a:t>
-            </a:r>
-            <a:r>
-              <a:rPr lang="en-US" sz="1000" b="1" dirty="0" smtClean="0">
-                <a:solidFill>
-                  <a:schemeClr val="bg1"/>
-                </a:solidFill>
-                <a:latin typeface="Oxygen" panose="02000503000000000000" pitchFamily="2" charset="0"/>
-              </a:rPr>
-              <a:t>FF </a:t>
+              <a:t> OFF </a:t>
             </a:r>
           </a:p>
         </p:txBody>
@@ -5133,7 +4357,7 @@
           <p:nvPr/>
         </p:nvPicPr>
         <p:blipFill>
-          <a:blip r:embed="rId8" cstate="print">
+          <a:blip r:embed="rId4" cstate="print">
             <a:extLst>
               <a:ext uri="{28A0092B-C50C-407E-A947-70E740481C1C}">
                 <a14:useLocalDpi xmlns:a14="http://schemas.microsoft.com/office/drawing/2010/main" val="0"/>
@@ -5146,7 +4370,7 @@
         </p:blipFill>
         <p:spPr>
           <a:xfrm>
-            <a:off x="4702067" y="8837707"/>
+            <a:off x="4768647" y="8805420"/>
             <a:ext cx="2139910" cy="1012273"/>
           </a:xfrm>
           <a:prstGeom prst="rect">
@@ -5181,7 +4405,7 @@
               </a:lnSpc>
             </a:pPr>
             <a:r>
-              <a:rPr lang="en-US" sz="1100" b="1" u="sng" dirty="0" smtClean="0">
+              <a:rPr lang="en-US" sz="1100" b="1" u="sng" dirty="0">
                 <a:solidFill>
                   <a:srgbClr val="00FF00"/>
                 </a:solidFill>
@@ -5203,31 +4427,13 @@
               </a:lnSpc>
             </a:pPr>
             <a:r>
-              <a:rPr lang="en-US" sz="1100" b="1" dirty="0" smtClean="0">
+              <a:rPr lang="en-US" sz="1100" b="1" dirty="0">
                 <a:solidFill>
                   <a:schemeClr val="bg1"/>
                 </a:solidFill>
                 <a:latin typeface="Oxygen" panose="02000503000000000000" pitchFamily="2" charset="0"/>
               </a:rPr>
-              <a:t> </a:t>
-            </a:r>
-            <a:r>
-              <a:rPr lang="en-US" sz="1100" b="1" dirty="0">
-                <a:solidFill>
-                  <a:schemeClr val="bg1"/>
-                </a:solidFill>
-                <a:latin typeface="Oxygen" panose="02000503000000000000" pitchFamily="2" charset="0"/>
-              </a:rPr>
-              <a:t>9163685448 / </a:t>
-            </a:r>
-            <a:r>
-              <a:rPr lang="en-US" sz="1100" b="1" dirty="0" smtClean="0">
-                <a:solidFill>
-                  <a:schemeClr val="bg1"/>
-                </a:solidFill>
-                <a:latin typeface="Oxygen" panose="02000503000000000000" pitchFamily="2" charset="0"/>
-              </a:rPr>
-              <a:t>9073 700094</a:t>
+              <a:t> 9163685448 / 9073 700094</a:t>
             </a:r>
             <a:endParaRPr lang="en-AU" sz="1100" b="1" dirty="0">
               <a:solidFill>
@@ -5261,7 +4467,7 @@
           <a:p>
             <a:pPr algn="ctr"/>
             <a:r>
-              <a:rPr lang="en-US" sz="1050" b="1" dirty="0" smtClean="0">
+              <a:rPr lang="en-US" sz="1050" b="1" dirty="0">
                 <a:solidFill>
                   <a:schemeClr val="bg1"/>
                 </a:solidFill>
@@ -5270,7 +4476,7 @@
               <a:t>N-1/25 Kunal Road, </a:t>
             </a:r>
             <a:r>
-              <a:rPr lang="en-US" sz="1400" b="1" dirty="0" smtClean="0">
+              <a:rPr lang="en-US" sz="1400" b="1" dirty="0">
                 <a:solidFill>
                   <a:schemeClr val="bg1"/>
                 </a:solidFill>
@@ -5279,7 +4485,7 @@
               <a:t>Patuli</a:t>
             </a:r>
             <a:r>
-              <a:rPr lang="en-US" sz="1100" b="1" dirty="0" smtClean="0">
+              <a:rPr lang="en-US" sz="1100" b="1" dirty="0">
                 <a:solidFill>
                   <a:schemeClr val="bg1"/>
                 </a:solidFill>
@@ -5287,7 +4493,7 @@
               </a:rPr>
               <a:t>,</a:t>
             </a:r>
-            <a:endParaRPr lang="en-US" sz="800" b="1" dirty="0" smtClean="0">
+            <a:endParaRPr lang="en-US" sz="800" b="1" dirty="0">
               <a:solidFill>
                 <a:schemeClr val="bg1"/>
               </a:solidFill>
@@ -5297,7 +4503,7 @@
           <a:p>
             <a:pPr algn="ctr"/>
             <a:r>
-              <a:rPr lang="en-US" sz="900" b="1" dirty="0" smtClean="0">
+              <a:rPr lang="en-US" sz="900" b="1" dirty="0">
                 <a:solidFill>
                   <a:schemeClr val="bg1"/>
                 </a:solidFill>
@@ -5309,7 +4515,7 @@
           <a:p>
             <a:pPr algn="ctr"/>
             <a:r>
-              <a:rPr lang="en-US" sz="1000" b="1" dirty="0" smtClean="0">
+              <a:rPr lang="en-US" sz="1000" b="1" dirty="0">
                 <a:solidFill>
                   <a:schemeClr val="bg1"/>
                 </a:solidFill>
@@ -5335,7 +4541,7 @@
           <p:nvPr/>
         </p:nvPicPr>
         <p:blipFill>
-          <a:blip r:embed="rId9" cstate="print">
+          <a:blip r:embed="rId5" cstate="print">
             <a:extLst>
               <a:ext uri="{28A0092B-C50C-407E-A947-70E740481C1C}">
                 <a14:useLocalDpi xmlns:a14="http://schemas.microsoft.com/office/drawing/2010/main" val="0"/>
@@ -5376,7 +4582,7 @@
           <p:nvPr/>
         </p:nvPicPr>
         <p:blipFill>
-          <a:blip r:embed="rId10" cstate="print">
+          <a:blip r:embed="rId6" cstate="print">
             <a:extLst>
               <a:ext uri="{28A0092B-C50C-407E-A947-70E740481C1C}">
                 <a14:useLocalDpi xmlns:a14="http://schemas.microsoft.com/office/drawing/2010/main" val="0"/>
@@ -5417,7 +4623,7 @@
           <p:nvPr/>
         </p:nvPicPr>
         <p:blipFill>
-          <a:blip r:embed="rId11" cstate="print">
+          <a:blip r:embed="rId7" cstate="print">
             <a:extLst>
               <a:ext uri="{28A0092B-C50C-407E-A947-70E740481C1C}">
                 <a14:useLocalDpi xmlns:a14="http://schemas.microsoft.com/office/drawing/2010/main" val="0"/>
@@ -5458,7 +4664,7 @@
           <p:nvPr/>
         </p:nvPicPr>
         <p:blipFill>
-          <a:blip r:embed="rId12" cstate="print">
+          <a:blip r:embed="rId8" cstate="print">
             <a:extLst>
               <a:ext uri="{28A0092B-C50C-407E-A947-70E740481C1C}">
                 <a14:useLocalDpi xmlns:a14="http://schemas.microsoft.com/office/drawing/2010/main" val="0"/>
@@ -5512,7 +4718,7 @@
           <a:lstStyle/>
           <a:p>
             <a:r>
-              <a:rPr lang="en-US" sz="1600" b="1" dirty="0" smtClean="0">
+              <a:rPr lang="en-US" sz="1600" b="1" dirty="0">
                 <a:solidFill>
                   <a:srgbClr val="00FF00"/>
                 </a:solidFill>
@@ -5533,7 +4739,7 @@
           <p:nvPr/>
         </p:nvPicPr>
         <p:blipFill>
-          <a:blip r:embed="rId13" cstate="print">
+          <a:blip r:embed="rId9" cstate="print">
             <a:extLst>
               <a:ext uri="{28A0092B-C50C-407E-A947-70E740481C1C}">
                 <a14:useLocalDpi xmlns:a14="http://schemas.microsoft.com/office/drawing/2010/main" val="0"/>
@@ -5565,6 +4771,38 @@
           </a:extLst>
         </p:spPr>
       </p:pic>
+      <p:sp>
+        <p:nvSpPr>
+          <p:cNvPr id="4" name="TextBox 3">
+            <a:extLst>
+              <a:ext uri="{FF2B5EF4-FFF2-40B4-BE49-F238E27FC236}">
+                <a16:creationId xmlns:a16="http://schemas.microsoft.com/office/drawing/2014/main" id="{5F2E6006-9818-042E-2BFF-6CA9A196EF8A}"/>
+              </a:ext>
+            </a:extLst>
+          </p:cNvPr>
+          <p:cNvSpPr txBox="1"/>
+          <p:nvPr/>
+        </p:nvSpPr>
+        <p:spPr>
+          <a:xfrm>
+            <a:off x="10922000" y="4826000"/>
+            <a:ext cx="184731" cy="369332"/>
+          </a:xfrm>
+          <a:prstGeom prst="rect">
+            <a:avLst/>
+          </a:prstGeom>
+          <a:noFill/>
+        </p:spPr>
+        <p:txBody>
+          <a:bodyPr wrap="none" rtlCol="0">
+            <a:spAutoFit/>
+          </a:bodyPr>
+          <a:lstStyle/>
+          <a:p>
+            <a:endParaRPr lang="en-US" dirty="0"/>
+          </a:p>
+        </p:txBody>
+      </p:sp>
     </p:spTree>
     <p:extLst>
       <p:ext uri="{BB962C8B-B14F-4D97-AF65-F5344CB8AC3E}">
@@ -5575,13 +4813,6 @@
   <p:clrMapOvr>
     <a:masterClrMapping/>
   </p:clrMapOvr>
-  <p:timing>
-    <p:tnLst>
-      <p:par>
-        <p:cTn id="1" dur="indefinite" restart="never" nodeType="tmRoot"/>
-      </p:par>
-    </p:tnLst>
-  </p:timing>
 </p:sld>
 </file>
 
@@ -5626,7 +4857,7 @@
           <a:p>
             <a:pPr algn="ctr"/>
             <a:r>
-              <a:rPr lang="en-US" sz="4800" b="1" cap="small" dirty="0" smtClean="0">
+              <a:rPr lang="en-US" sz="4800" b="1" cap="small" dirty="0">
                 <a:ln w="6600">
                   <a:solidFill>
                     <a:srgbClr val="FF8C52"/>
@@ -5653,7 +4884,7 @@
               <a:t>Artificial Intelligence </a:t>
             </a:r>
             <a:r>
-              <a:rPr lang="en-US" sz="2400" dirty="0" smtClean="0">
+              <a:rPr lang="en-US" sz="2400" dirty="0">
                 <a:ln w="6600">
                   <a:solidFill>
                     <a:srgbClr val="FF8C52"/>
@@ -5680,7 +4911,7 @@
               <a:t>Time for </a:t>
             </a:r>
             <a:r>
-              <a:rPr lang="en-US" sz="3200" b="1" cap="small" dirty="0" smtClean="0">
+              <a:rPr lang="en-US" sz="3200" b="1" cap="small" dirty="0">
                 <a:ln w="6600">
                   <a:solidFill>
                     <a:srgbClr val="FF8C52"/>
@@ -5707,7 +4938,7 @@
               <a:t>Your Child </a:t>
             </a:r>
             <a:r>
-              <a:rPr lang="en-US" sz="2400" dirty="0" smtClean="0">
+              <a:rPr lang="en-US" sz="2400" dirty="0">
                 <a:ln w="6600">
                   <a:solidFill>
                     <a:srgbClr val="FF8C52"/>
@@ -5758,34 +4989,7 @@
                 </a:effectLst>
                 <a:latin typeface="Oxygen" panose="02000503000000000000" pitchFamily="2" charset="0"/>
               </a:rPr>
-              <a:t>the </a:t>
-            </a:r>
-            <a:r>
-              <a:rPr lang="en-US" sz="3200" b="1" cap="small" dirty="0" smtClean="0">
-                <a:ln w="6600">
-                  <a:solidFill>
-                    <a:srgbClr val="FF8C52"/>
-                  </a:solidFill>
-                  <a:prstDash val="solid"/>
-                </a:ln>
-                <a:solidFill>
-                  <a:schemeClr val="bg1"/>
-                </a:solidFill>
-                <a:effectLst>
-                  <a:glow rad="139700">
-                    <a:srgbClr val="FF8C52">
-                      <a:alpha val="40000"/>
-                    </a:srgbClr>
-                  </a:glow>
-                  <a:outerShdw blurRad="75057" dist="38100" dir="5400000" sy="-20000" rotWithShape="0">
-                    <a:prstClr val="black">
-                      <a:alpha val="0"/>
-                    </a:prstClr>
-                  </a:outerShdw>
-                </a:effectLst>
-                <a:latin typeface="Oxygen" panose="02000503000000000000" pitchFamily="2" charset="0"/>
-              </a:rPr>
-              <a:t>Party</a:t>
+              <a:t>the Party</a:t>
             </a:r>
             <a:endParaRPr lang="en-AU" sz="3200" b="1" cap="small" dirty="0">
               <a:ln w="6600">
@@ -5859,7 +5063,7 @@
           <a:p>
             <a:pPr algn="ctr"/>
             <a:r>
-              <a:rPr lang="en-US" sz="1050" b="1" cap="small" dirty="0" smtClean="0">
+              <a:rPr lang="en-US" sz="1050" b="1" cap="small" dirty="0">
                 <a:solidFill>
                   <a:schemeClr val="bg1"/>
                 </a:solidFill>
@@ -5871,7 +5075,7 @@
           <a:p>
             <a:pPr algn="ctr"/>
             <a:r>
-              <a:rPr lang="en-US" sz="1050" b="1" cap="small" dirty="0" smtClean="0">
+              <a:rPr lang="en-US" sz="1050" b="1" cap="small" dirty="0">
                 <a:solidFill>
                   <a:schemeClr val="bg1"/>
                 </a:solidFill>
@@ -5883,7 +5087,7 @@
           <a:p>
             <a:pPr algn="ctr"/>
             <a:r>
-              <a:rPr lang="en-US" sz="1050" b="1" cap="small" dirty="0" smtClean="0">
+              <a:rPr lang="en-US" sz="1050" b="1" cap="small" dirty="0">
                 <a:solidFill>
                   <a:schemeClr val="bg1"/>
                 </a:solidFill>
@@ -5892,7 +5096,7 @@
               <a:t> </a:t>
             </a:r>
             <a:r>
-              <a:rPr lang="en-US" sz="2000" b="1" dirty="0" smtClean="0">
+              <a:rPr lang="en-US" sz="2000" b="1" dirty="0">
                 <a:solidFill>
                   <a:schemeClr val="bg1"/>
                 </a:solidFill>
@@ -5901,31 +5105,13 @@
               <a:t>50%</a:t>
             </a:r>
             <a:r>
-              <a:rPr lang="en-US" sz="1000" b="1" dirty="0" smtClean="0">
+              <a:rPr lang="en-US" sz="1000" b="1" dirty="0">
                 <a:solidFill>
                   <a:schemeClr val="bg1"/>
                 </a:solidFill>
                 <a:latin typeface="Oxygen" panose="02000503000000000000" pitchFamily="2" charset="0"/>
               </a:rPr>
-              <a:t> </a:t>
-            </a:r>
-            <a:r>
-              <a:rPr lang="en-US" sz="1000" b="1" dirty="0">
-                <a:solidFill>
-                  <a:schemeClr val="bg1"/>
-                </a:solidFill>
-                <a:latin typeface="Oxygen" panose="02000503000000000000" pitchFamily="2" charset="0"/>
-              </a:rPr>
-              <a:t>O</a:t>
-            </a:r>
-            <a:r>
-              <a:rPr lang="en-US" sz="1000" b="1" dirty="0" smtClean="0">
-                <a:solidFill>
-                  <a:schemeClr val="bg1"/>
-                </a:solidFill>
-                <a:latin typeface="Oxygen" panose="02000503000000000000" pitchFamily="2" charset="0"/>
-              </a:rPr>
-              <a:t>FF </a:t>
+              <a:t> OFF </a:t>
             </a:r>
           </a:p>
         </p:txBody>
@@ -5975,7 +5161,7 @@
           <a:p>
             <a:pPr algn="ctr"/>
             <a:r>
-              <a:rPr lang="en-US" sz="1050" b="1" cap="small" dirty="0" smtClean="0">
+              <a:rPr lang="en-US" sz="1050" b="1" cap="small" dirty="0">
                 <a:solidFill>
                   <a:schemeClr val="bg1"/>
                 </a:solidFill>
@@ -5987,7 +5173,7 @@
           <a:p>
             <a:pPr algn="ctr"/>
             <a:r>
-              <a:rPr lang="en-US" sz="1050" b="1" cap="small" dirty="0" smtClean="0">
+              <a:rPr lang="en-US" sz="1050" b="1" cap="small" dirty="0">
                 <a:solidFill>
                   <a:schemeClr val="bg1"/>
                 </a:solidFill>
@@ -5999,7 +5185,7 @@
           <a:p>
             <a:pPr algn="ctr"/>
             <a:r>
-              <a:rPr lang="en-US" sz="1050" b="1" cap="small" dirty="0" smtClean="0">
+              <a:rPr lang="en-US" sz="1050" b="1" cap="small" dirty="0">
                 <a:solidFill>
                   <a:schemeClr val="bg1"/>
                 </a:solidFill>
@@ -6008,7 +5194,7 @@
               <a:t> </a:t>
             </a:r>
             <a:r>
-              <a:rPr lang="en-US" sz="2000" b="1" dirty="0" smtClean="0">
+              <a:rPr lang="en-US" sz="2000" b="1" dirty="0">
                 <a:solidFill>
                   <a:schemeClr val="bg1"/>
                 </a:solidFill>
@@ -6017,31 +5203,13 @@
               <a:t>50%</a:t>
             </a:r>
             <a:r>
-              <a:rPr lang="en-US" sz="1000" b="1" dirty="0" smtClean="0">
+              <a:rPr lang="en-US" sz="1000" b="1" dirty="0">
                 <a:solidFill>
                   <a:schemeClr val="bg1"/>
                 </a:solidFill>
                 <a:latin typeface="Oxygen" panose="02000503000000000000" pitchFamily="2" charset="0"/>
               </a:rPr>
-              <a:t> </a:t>
-            </a:r>
-            <a:r>
-              <a:rPr lang="en-US" sz="1000" b="1" dirty="0">
-                <a:solidFill>
-                  <a:schemeClr val="bg1"/>
-                </a:solidFill>
-                <a:latin typeface="Oxygen" panose="02000503000000000000" pitchFamily="2" charset="0"/>
-              </a:rPr>
-              <a:t>O</a:t>
-            </a:r>
-            <a:r>
-              <a:rPr lang="en-US" sz="1000" b="1" dirty="0" smtClean="0">
-                <a:solidFill>
-                  <a:schemeClr val="bg1"/>
-                </a:solidFill>
-                <a:latin typeface="Oxygen" panose="02000503000000000000" pitchFamily="2" charset="0"/>
-              </a:rPr>
-              <a:t>FF </a:t>
+              <a:t> OFF </a:t>
             </a:r>
           </a:p>
         </p:txBody>
@@ -6103,7 +5271,7 @@
               </a:lnSpc>
             </a:pPr>
             <a:r>
-              <a:rPr lang="en-US" sz="1100" b="1" u="sng" dirty="0" smtClean="0">
+              <a:rPr lang="en-US" sz="1100" b="1" u="sng" dirty="0">
                 <a:solidFill>
                   <a:srgbClr val="00FF00"/>
                 </a:solidFill>
@@ -6125,31 +5293,13 @@
               </a:lnSpc>
             </a:pPr>
             <a:r>
-              <a:rPr lang="en-US" sz="1100" b="1" dirty="0" smtClean="0">
+              <a:rPr lang="en-US" sz="1100" b="1" dirty="0">
                 <a:solidFill>
                   <a:schemeClr val="bg1"/>
                 </a:solidFill>
                 <a:latin typeface="Oxygen" panose="02000503000000000000" pitchFamily="2" charset="0"/>
               </a:rPr>
-              <a:t> </a:t>
-            </a:r>
-            <a:r>
-              <a:rPr lang="en-US" sz="1100" b="1" dirty="0">
-                <a:solidFill>
-                  <a:schemeClr val="bg1"/>
-                </a:solidFill>
-                <a:latin typeface="Oxygen" panose="02000503000000000000" pitchFamily="2" charset="0"/>
-              </a:rPr>
-              <a:t>9163685448 / </a:t>
-            </a:r>
-            <a:r>
-              <a:rPr lang="en-US" sz="1100" b="1" dirty="0" smtClean="0">
-                <a:solidFill>
-                  <a:schemeClr val="bg1"/>
-                </a:solidFill>
-                <a:latin typeface="Oxygen" panose="02000503000000000000" pitchFamily="2" charset="0"/>
-              </a:rPr>
-              <a:t>9073 700094</a:t>
+              <a:t> 9163685448 / 9073 700094</a:t>
             </a:r>
             <a:endParaRPr lang="en-AU" sz="1100" b="1" dirty="0">
               <a:solidFill>
@@ -6183,7 +5333,7 @@
           <a:p>
             <a:pPr algn="ctr"/>
             <a:r>
-              <a:rPr lang="en-US" sz="1050" b="1" dirty="0" smtClean="0">
+              <a:rPr lang="en-US" sz="1050" b="1" dirty="0">
                 <a:solidFill>
                   <a:schemeClr val="bg1"/>
                 </a:solidFill>
@@ -6192,7 +5342,7 @@
               <a:t>N-1/25 Kunal Road, </a:t>
             </a:r>
             <a:r>
-              <a:rPr lang="en-US" sz="1400" b="1" dirty="0" smtClean="0">
+              <a:rPr lang="en-US" sz="1400" b="1" dirty="0">
                 <a:solidFill>
                   <a:schemeClr val="bg1"/>
                 </a:solidFill>
@@ -6201,7 +5351,7 @@
               <a:t>Patuli</a:t>
             </a:r>
             <a:r>
-              <a:rPr lang="en-US" sz="1100" b="1" dirty="0" smtClean="0">
+              <a:rPr lang="en-US" sz="1100" b="1" dirty="0">
                 <a:solidFill>
                   <a:schemeClr val="bg1"/>
                 </a:solidFill>
@@ -6209,7 +5359,7 @@
               </a:rPr>
               <a:t>,</a:t>
             </a:r>
-            <a:endParaRPr lang="en-US" sz="800" b="1" dirty="0" smtClean="0">
+            <a:endParaRPr lang="en-US" sz="800" b="1" dirty="0">
               <a:solidFill>
                 <a:schemeClr val="bg1"/>
               </a:solidFill>
@@ -6219,7 +5369,7 @@
           <a:p>
             <a:pPr algn="ctr"/>
             <a:r>
-              <a:rPr lang="en-US" sz="900" b="1" dirty="0" smtClean="0">
+              <a:rPr lang="en-US" sz="900" b="1" dirty="0">
                 <a:solidFill>
                   <a:schemeClr val="bg1"/>
                 </a:solidFill>
@@ -6231,7 +5381,7 @@
           <a:p>
             <a:pPr algn="ctr"/>
             <a:r>
-              <a:rPr lang="en-US" sz="1000" b="1" dirty="0" smtClean="0">
+              <a:rPr lang="en-US" sz="1000" b="1" dirty="0">
                 <a:solidFill>
                   <a:schemeClr val="bg1"/>
                 </a:solidFill>
@@ -6434,7 +5584,7 @@
           <a:lstStyle/>
           <a:p>
             <a:r>
-              <a:rPr lang="en-US" sz="1600" b="1" dirty="0" smtClean="0">
+              <a:rPr lang="en-US" sz="1600" b="1" dirty="0">
                 <a:solidFill>
                   <a:srgbClr val="00FF00"/>
                 </a:solidFill>
@@ -6497,13 +5647,6 @@
   <p:clrMapOvr>
     <a:masterClrMapping/>
   </p:clrMapOvr>
-  <p:timing>
-    <p:tnLst>
-      <p:par>
-        <p:cTn id="1" dur="indefinite" restart="never" nodeType="tmRoot"/>
-      </p:par>
-    </p:tnLst>
-  </p:timing>
 </p:sld>
 </file>
 
